--- a/Figs/VersionSchema.pptx
+++ b/Figs/VersionSchema.pptx
@@ -243,7 +243,7 @@
           <a:p>
             <a:fld id="{C8E381AD-670B-455F-AC68-511B14637EDD}" type="datetimeFigureOut">
               <a:rPr lang="en-US" smtClean="0"/>
-              <a:t>18/4/2016</a:t>
+              <a:t>28/4/2016</a:t>
             </a:fld>
             <a:endParaRPr lang="en-US"/>
           </a:p>
@@ -413,7 +413,7 @@
           <a:p>
             <a:fld id="{C8E381AD-670B-455F-AC68-511B14637EDD}" type="datetimeFigureOut">
               <a:rPr lang="en-US" smtClean="0"/>
-              <a:t>18/4/2016</a:t>
+              <a:t>28/4/2016</a:t>
             </a:fld>
             <a:endParaRPr lang="en-US"/>
           </a:p>
@@ -593,7 +593,7 @@
           <a:p>
             <a:fld id="{C8E381AD-670B-455F-AC68-511B14637EDD}" type="datetimeFigureOut">
               <a:rPr lang="en-US" smtClean="0"/>
-              <a:t>18/4/2016</a:t>
+              <a:t>28/4/2016</a:t>
             </a:fld>
             <a:endParaRPr lang="en-US"/>
           </a:p>
@@ -763,7 +763,7 @@
           <a:p>
             <a:fld id="{C8E381AD-670B-455F-AC68-511B14637EDD}" type="datetimeFigureOut">
               <a:rPr lang="en-US" smtClean="0"/>
-              <a:t>18/4/2016</a:t>
+              <a:t>28/4/2016</a:t>
             </a:fld>
             <a:endParaRPr lang="en-US"/>
           </a:p>
@@ -1009,7 +1009,7 @@
           <a:p>
             <a:fld id="{C8E381AD-670B-455F-AC68-511B14637EDD}" type="datetimeFigureOut">
               <a:rPr lang="en-US" smtClean="0"/>
-              <a:t>18/4/2016</a:t>
+              <a:t>28/4/2016</a:t>
             </a:fld>
             <a:endParaRPr lang="en-US"/>
           </a:p>
@@ -1241,7 +1241,7 @@
           <a:p>
             <a:fld id="{C8E381AD-670B-455F-AC68-511B14637EDD}" type="datetimeFigureOut">
               <a:rPr lang="en-US" smtClean="0"/>
-              <a:t>18/4/2016</a:t>
+              <a:t>28/4/2016</a:t>
             </a:fld>
             <a:endParaRPr lang="en-US"/>
           </a:p>
@@ -1608,7 +1608,7 @@
           <a:p>
             <a:fld id="{C8E381AD-670B-455F-AC68-511B14637EDD}" type="datetimeFigureOut">
               <a:rPr lang="en-US" smtClean="0"/>
-              <a:t>18/4/2016</a:t>
+              <a:t>28/4/2016</a:t>
             </a:fld>
             <a:endParaRPr lang="en-US"/>
           </a:p>
@@ -1726,7 +1726,7 @@
           <a:p>
             <a:fld id="{C8E381AD-670B-455F-AC68-511B14637EDD}" type="datetimeFigureOut">
               <a:rPr lang="en-US" smtClean="0"/>
-              <a:t>18/4/2016</a:t>
+              <a:t>28/4/2016</a:t>
             </a:fld>
             <a:endParaRPr lang="en-US"/>
           </a:p>
@@ -1821,7 +1821,7 @@
           <a:p>
             <a:fld id="{C8E381AD-670B-455F-AC68-511B14637EDD}" type="datetimeFigureOut">
               <a:rPr lang="en-US" smtClean="0"/>
-              <a:t>18/4/2016</a:t>
+              <a:t>28/4/2016</a:t>
             </a:fld>
             <a:endParaRPr lang="en-US"/>
           </a:p>
@@ -2098,7 +2098,7 @@
           <a:p>
             <a:fld id="{C8E381AD-670B-455F-AC68-511B14637EDD}" type="datetimeFigureOut">
               <a:rPr lang="en-US" smtClean="0"/>
-              <a:t>18/4/2016</a:t>
+              <a:t>28/4/2016</a:t>
             </a:fld>
             <a:endParaRPr lang="en-US"/>
           </a:p>
@@ -2355,7 +2355,7 @@
           <a:p>
             <a:fld id="{C8E381AD-670B-455F-AC68-511B14637EDD}" type="datetimeFigureOut">
               <a:rPr lang="en-US" smtClean="0"/>
-              <a:t>18/4/2016</a:t>
+              <a:t>28/4/2016</a:t>
             </a:fld>
             <a:endParaRPr lang="en-US"/>
           </a:p>
@@ -2568,7 +2568,7 @@
           <a:p>
             <a:fld id="{C8E381AD-670B-455F-AC68-511B14637EDD}" type="datetimeFigureOut">
               <a:rPr lang="en-US" smtClean="0"/>
-              <a:t>18/4/2016</a:t>
+              <a:t>28/4/2016</a:t>
             </a:fld>
             <a:endParaRPr lang="en-US"/>
           </a:p>
@@ -9702,16 +9702,16 @@
           <a:p>
             <a:pPr algn="ctr"/>
             <a:r>
-              <a:rPr lang="nl-NL" sz="1600" dirty="0" smtClean="0">
+              <a:rPr lang="nl-NL" sz="1600" b="1" dirty="0" smtClean="0">
                 <a:solidFill>
                   <a:schemeClr val="tx1"/>
                 </a:solidFill>
                 <a:latin typeface="Arial" panose="020B0604020202020204" pitchFamily="34" charset="0"/>
                 <a:cs typeface="Arial" panose="020B0604020202020204" pitchFamily="34" charset="0"/>
               </a:rPr>
-              <a:t>5.34.34</a:t>
-            </a:r>
-            <a:endParaRPr lang="nl-NL" sz="1600" dirty="0">
+              <a:t>5.34.36</a:t>
+            </a:r>
+            <a:endParaRPr lang="nl-NL" sz="1600" b="1" dirty="0">
               <a:solidFill>
                 <a:schemeClr val="tx1"/>
               </a:solidFill>

--- a/Figs/VersionSchema.pptx
+++ b/Figs/VersionSchema.pptx
@@ -243,7 +243,7 @@
           <a:p>
             <a:fld id="{C8E381AD-670B-455F-AC68-511B14637EDD}" type="datetimeFigureOut">
               <a:rPr lang="en-US" smtClean="0"/>
-              <a:t>28/4/2016</a:t>
+              <a:t>3/5/2016</a:t>
             </a:fld>
             <a:endParaRPr lang="en-US"/>
           </a:p>
@@ -413,7 +413,7 @@
           <a:p>
             <a:fld id="{C8E381AD-670B-455F-AC68-511B14637EDD}" type="datetimeFigureOut">
               <a:rPr lang="en-US" smtClean="0"/>
-              <a:t>28/4/2016</a:t>
+              <a:t>3/5/2016</a:t>
             </a:fld>
             <a:endParaRPr lang="en-US"/>
           </a:p>
@@ -593,7 +593,7 @@
           <a:p>
             <a:fld id="{C8E381AD-670B-455F-AC68-511B14637EDD}" type="datetimeFigureOut">
               <a:rPr lang="en-US" smtClean="0"/>
-              <a:t>28/4/2016</a:t>
+              <a:t>3/5/2016</a:t>
             </a:fld>
             <a:endParaRPr lang="en-US"/>
           </a:p>
@@ -763,7 +763,7 @@
           <a:p>
             <a:fld id="{C8E381AD-670B-455F-AC68-511B14637EDD}" type="datetimeFigureOut">
               <a:rPr lang="en-US" smtClean="0"/>
-              <a:t>28/4/2016</a:t>
+              <a:t>3/5/2016</a:t>
             </a:fld>
             <a:endParaRPr lang="en-US"/>
           </a:p>
@@ -1009,7 +1009,7 @@
           <a:p>
             <a:fld id="{C8E381AD-670B-455F-AC68-511B14637EDD}" type="datetimeFigureOut">
               <a:rPr lang="en-US" smtClean="0"/>
-              <a:t>28/4/2016</a:t>
+              <a:t>3/5/2016</a:t>
             </a:fld>
             <a:endParaRPr lang="en-US"/>
           </a:p>
@@ -1241,7 +1241,7 @@
           <a:p>
             <a:fld id="{C8E381AD-670B-455F-AC68-511B14637EDD}" type="datetimeFigureOut">
               <a:rPr lang="en-US" smtClean="0"/>
-              <a:t>28/4/2016</a:t>
+              <a:t>3/5/2016</a:t>
             </a:fld>
             <a:endParaRPr lang="en-US"/>
           </a:p>
@@ -1608,7 +1608,7 @@
           <a:p>
             <a:fld id="{C8E381AD-670B-455F-AC68-511B14637EDD}" type="datetimeFigureOut">
               <a:rPr lang="en-US" smtClean="0"/>
-              <a:t>28/4/2016</a:t>
+              <a:t>3/5/2016</a:t>
             </a:fld>
             <a:endParaRPr lang="en-US"/>
           </a:p>
@@ -1726,7 +1726,7 @@
           <a:p>
             <a:fld id="{C8E381AD-670B-455F-AC68-511B14637EDD}" type="datetimeFigureOut">
               <a:rPr lang="en-US" smtClean="0"/>
-              <a:t>28/4/2016</a:t>
+              <a:t>3/5/2016</a:t>
             </a:fld>
             <a:endParaRPr lang="en-US"/>
           </a:p>
@@ -1821,7 +1821,7 @@
           <a:p>
             <a:fld id="{C8E381AD-670B-455F-AC68-511B14637EDD}" type="datetimeFigureOut">
               <a:rPr lang="en-US" smtClean="0"/>
-              <a:t>28/4/2016</a:t>
+              <a:t>3/5/2016</a:t>
             </a:fld>
             <a:endParaRPr lang="en-US"/>
           </a:p>
@@ -2098,7 +2098,7 @@
           <a:p>
             <a:fld id="{C8E381AD-670B-455F-AC68-511B14637EDD}" type="datetimeFigureOut">
               <a:rPr lang="en-US" smtClean="0"/>
-              <a:t>28/4/2016</a:t>
+              <a:t>3/5/2016</a:t>
             </a:fld>
             <a:endParaRPr lang="en-US"/>
           </a:p>
@@ -2355,7 +2355,7 @@
           <a:p>
             <a:fld id="{C8E381AD-670B-455F-AC68-511B14637EDD}" type="datetimeFigureOut">
               <a:rPr lang="en-US" smtClean="0"/>
-              <a:t>28/4/2016</a:t>
+              <a:t>3/5/2016</a:t>
             </a:fld>
             <a:endParaRPr lang="en-US"/>
           </a:p>
@@ -2568,7 +2568,7 @@
           <a:p>
             <a:fld id="{C8E381AD-670B-455F-AC68-511B14637EDD}" type="datetimeFigureOut">
               <a:rPr lang="en-US" smtClean="0"/>
-              <a:t>28/4/2016</a:t>
+              <a:t>3/5/2016</a:t>
             </a:fld>
             <a:endParaRPr lang="en-US"/>
           </a:p>
@@ -10235,7 +10235,7 @@
                 <a:latin typeface="Arial" panose="020B0604020202020204" pitchFamily="34" charset="0"/>
                 <a:cs typeface="Arial" panose="020B0604020202020204" pitchFamily="34" charset="0"/>
               </a:rPr>
-              <a:t>8.6.4</a:t>
+              <a:t>8.7.1</a:t>
             </a:r>
             <a:endParaRPr lang="nl-NL" sz="1600" b="1" dirty="0">
               <a:solidFill>

--- a/Figs/VersionSchema.pptx
+++ b/Figs/VersionSchema.pptx
@@ -243,7 +243,7 @@
           <a:p>
             <a:fld id="{C8E381AD-670B-455F-AC68-511B14637EDD}" type="datetimeFigureOut">
               <a:rPr lang="en-US" smtClean="0"/>
-              <a:t>3/5/2016</a:t>
+              <a:t>1/9/2016</a:t>
             </a:fld>
             <a:endParaRPr lang="en-US"/>
           </a:p>
@@ -413,7 +413,7 @@
           <a:p>
             <a:fld id="{C8E381AD-670B-455F-AC68-511B14637EDD}" type="datetimeFigureOut">
               <a:rPr lang="en-US" smtClean="0"/>
-              <a:t>3/5/2016</a:t>
+              <a:t>1/9/2016</a:t>
             </a:fld>
             <a:endParaRPr lang="en-US"/>
           </a:p>
@@ -593,7 +593,7 @@
           <a:p>
             <a:fld id="{C8E381AD-670B-455F-AC68-511B14637EDD}" type="datetimeFigureOut">
               <a:rPr lang="en-US" smtClean="0"/>
-              <a:t>3/5/2016</a:t>
+              <a:t>1/9/2016</a:t>
             </a:fld>
             <a:endParaRPr lang="en-US"/>
           </a:p>
@@ -763,7 +763,7 @@
           <a:p>
             <a:fld id="{C8E381AD-670B-455F-AC68-511B14637EDD}" type="datetimeFigureOut">
               <a:rPr lang="en-US" smtClean="0"/>
-              <a:t>3/5/2016</a:t>
+              <a:t>1/9/2016</a:t>
             </a:fld>
             <a:endParaRPr lang="en-US"/>
           </a:p>
@@ -1009,7 +1009,7 @@
           <a:p>
             <a:fld id="{C8E381AD-670B-455F-AC68-511B14637EDD}" type="datetimeFigureOut">
               <a:rPr lang="en-US" smtClean="0"/>
-              <a:t>3/5/2016</a:t>
+              <a:t>1/9/2016</a:t>
             </a:fld>
             <a:endParaRPr lang="en-US"/>
           </a:p>
@@ -1241,7 +1241,7 @@
           <a:p>
             <a:fld id="{C8E381AD-670B-455F-AC68-511B14637EDD}" type="datetimeFigureOut">
               <a:rPr lang="en-US" smtClean="0"/>
-              <a:t>3/5/2016</a:t>
+              <a:t>1/9/2016</a:t>
             </a:fld>
             <a:endParaRPr lang="en-US"/>
           </a:p>
@@ -1608,7 +1608,7 @@
           <a:p>
             <a:fld id="{C8E381AD-670B-455F-AC68-511B14637EDD}" type="datetimeFigureOut">
               <a:rPr lang="en-US" smtClean="0"/>
-              <a:t>3/5/2016</a:t>
+              <a:t>1/9/2016</a:t>
             </a:fld>
             <a:endParaRPr lang="en-US"/>
           </a:p>
@@ -1726,7 +1726,7 @@
           <a:p>
             <a:fld id="{C8E381AD-670B-455F-AC68-511B14637EDD}" type="datetimeFigureOut">
               <a:rPr lang="en-US" smtClean="0"/>
-              <a:t>3/5/2016</a:t>
+              <a:t>1/9/2016</a:t>
             </a:fld>
             <a:endParaRPr lang="en-US"/>
           </a:p>
@@ -1821,7 +1821,7 @@
           <a:p>
             <a:fld id="{C8E381AD-670B-455F-AC68-511B14637EDD}" type="datetimeFigureOut">
               <a:rPr lang="en-US" smtClean="0"/>
-              <a:t>3/5/2016</a:t>
+              <a:t>1/9/2016</a:t>
             </a:fld>
             <a:endParaRPr lang="en-US"/>
           </a:p>
@@ -2098,7 +2098,7 @@
           <a:p>
             <a:fld id="{C8E381AD-670B-455F-AC68-511B14637EDD}" type="datetimeFigureOut">
               <a:rPr lang="en-US" smtClean="0"/>
-              <a:t>3/5/2016</a:t>
+              <a:t>1/9/2016</a:t>
             </a:fld>
             <a:endParaRPr lang="en-US"/>
           </a:p>
@@ -2355,7 +2355,7 @@
           <a:p>
             <a:fld id="{C8E381AD-670B-455F-AC68-511B14637EDD}" type="datetimeFigureOut">
               <a:rPr lang="en-US" smtClean="0"/>
-              <a:t>3/5/2016</a:t>
+              <a:t>1/9/2016</a:t>
             </a:fld>
             <a:endParaRPr lang="en-US"/>
           </a:p>
@@ -2568,7 +2568,7 @@
           <a:p>
             <a:fld id="{C8E381AD-670B-455F-AC68-511B14637EDD}" type="datetimeFigureOut">
               <a:rPr lang="en-US" smtClean="0"/>
-              <a:t>3/5/2016</a:t>
+              <a:t>1/9/2016</a:t>
             </a:fld>
             <a:endParaRPr lang="en-US"/>
           </a:p>
@@ -2975,25 +2975,23 @@
       </p:grpSpPr>
       <p:sp>
         <p:nvSpPr>
-          <p:cNvPr id="4" name="Rectangle 3"/>
+          <p:cNvPr id="5" name="Rectangle 4"/>
           <p:cNvSpPr/>
           <p:nvPr/>
         </p:nvSpPr>
         <p:spPr>
           <a:xfrm>
-            <a:off x="17004615" y="255771"/>
-            <a:ext cx="16966170" cy="8494358"/>
+            <a:off x="126143" y="255770"/>
+            <a:ext cx="16878470" cy="8822603"/>
           </a:xfrm>
           <a:prstGeom prst="rect">
             <a:avLst/>
           </a:prstGeom>
           <a:solidFill>
-            <a:srgbClr val="C59EE2"/>
+            <a:srgbClr val="CCE5BD"/>
           </a:solidFill>
           <a:ln>
-            <a:solidFill>
-              <a:srgbClr val="7030A0"/>
-            </a:solidFill>
+            <a:noFill/>
           </a:ln>
         </p:spPr>
         <p:style>
@@ -3026,113 +3024,9 @@
           </a:p>
         </p:txBody>
       </p:sp>
-      <p:sp>
-        <p:nvSpPr>
-          <p:cNvPr id="13" name="Rectangle 12"/>
-          <p:cNvSpPr/>
-          <p:nvPr/>
-        </p:nvSpPr>
-        <p:spPr>
-          <a:xfrm>
-            <a:off x="17041543" y="2048208"/>
-            <a:ext cx="16929244" cy="6701922"/>
-          </a:xfrm>
-          <a:prstGeom prst="rect">
-            <a:avLst/>
-          </a:prstGeom>
-          <a:solidFill>
-            <a:srgbClr val="7030A0"/>
-          </a:solidFill>
-          <a:ln>
-            <a:solidFill>
-              <a:srgbClr val="7030A0"/>
-            </a:solidFill>
-          </a:ln>
-        </p:spPr>
-        <p:style>
-          <a:lnRef idx="2">
-            <a:schemeClr val="accent1">
-              <a:shade val="50000"/>
-            </a:schemeClr>
-          </a:lnRef>
-          <a:fillRef idx="1">
-            <a:schemeClr val="accent1"/>
-          </a:fillRef>
-          <a:effectRef idx="0">
-            <a:schemeClr val="accent1"/>
-          </a:effectRef>
-          <a:fontRef idx="minor">
-            <a:schemeClr val="lt1"/>
-          </a:fontRef>
-        </p:style>
-        <p:txBody>
-          <a:bodyPr rot="0" spcFirstLastPara="0" vertOverflow="overflow" horzOverflow="overflow" vert="horz" wrap="square" lIns="182880" tIns="91440" rIns="182880" bIns="91440" numCol="1" spcCol="0" rtlCol="0" fromWordArt="0" anchor="ctr" anchorCtr="0" forceAA="0" compatLnSpc="1">
-            <a:prstTxWarp prst="textNoShape">
-              <a:avLst/>
-            </a:prstTxWarp>
-            <a:noAutofit/>
-          </a:bodyPr>
-          <a:lstStyle/>
-          <a:p>
-            <a:pPr algn="ctr"/>
-            <a:endParaRPr lang="en-US" sz="7200"/>
-          </a:p>
-        </p:txBody>
-      </p:sp>
-      <p:sp>
-        <p:nvSpPr>
-          <p:cNvPr id="5" name="Rectangle 4"/>
-          <p:cNvSpPr/>
-          <p:nvPr/>
-        </p:nvSpPr>
-        <p:spPr>
-          <a:xfrm>
-            <a:off x="126143" y="255770"/>
-            <a:ext cx="16878470" cy="8494359"/>
-          </a:xfrm>
-          <a:prstGeom prst="rect">
-            <a:avLst/>
-          </a:prstGeom>
-          <a:solidFill>
-            <a:srgbClr val="CCE5BD"/>
-          </a:solidFill>
-          <a:ln>
-            <a:noFill/>
-          </a:ln>
-        </p:spPr>
-        <p:style>
-          <a:lnRef idx="2">
-            <a:schemeClr val="accent1">
-              <a:shade val="50000"/>
-            </a:schemeClr>
-          </a:lnRef>
-          <a:fillRef idx="1">
-            <a:schemeClr val="accent1"/>
-          </a:fillRef>
-          <a:effectRef idx="0">
-            <a:schemeClr val="accent1"/>
-          </a:effectRef>
-          <a:fontRef idx="minor">
-            <a:schemeClr val="lt1"/>
-          </a:fontRef>
-        </p:style>
-        <p:txBody>
-          <a:bodyPr rot="0" spcFirstLastPara="0" vertOverflow="overflow" horzOverflow="overflow" vert="horz" wrap="square" lIns="182880" tIns="91440" rIns="182880" bIns="91440" numCol="1" spcCol="0" rtlCol="0" fromWordArt="0" anchor="ctr" anchorCtr="0" forceAA="0" compatLnSpc="1">
-            <a:prstTxWarp prst="textNoShape">
-              <a:avLst/>
-            </a:prstTxWarp>
-            <a:noAutofit/>
-          </a:bodyPr>
-          <a:lstStyle/>
-          <a:p>
-            <a:pPr algn="ctr"/>
-            <a:endParaRPr lang="en-US" sz="7200"/>
-          </a:p>
-        </p:txBody>
-      </p:sp>
       <p:pic>
         <p:nvPicPr>
-          <p:cNvPr id="7" name="Picture 4" descr="Hortonworks Logo"/>
+          <p:cNvPr id="3" name="Picture 2" descr="http://hortonworks.com/wp-content/uploads/2016/03/asparagus-hdp25.jpg"/>
           <p:cNvPicPr>
             <a:picLocks noChangeAspect="1" noChangeArrowheads="1"/>
           </p:cNvPicPr>
@@ -3153,8 +3047,8 @@
         </p:blipFill>
         <p:spPr bwMode="auto">
           <a:xfrm>
-            <a:off x="583004" y="435774"/>
-            <a:ext cx="3810000" cy="1447800"/>
+            <a:off x="154551" y="2024368"/>
+            <a:ext cx="16820228" cy="7743890"/>
           </a:xfrm>
           <a:prstGeom prst="rect">
             <a:avLst/>
@@ -3171,6 +3065,153 @@
           </a:extLst>
         </p:spPr>
       </p:pic>
+      <p:sp>
+        <p:nvSpPr>
+          <p:cNvPr id="4" name="Rectangle 3"/>
+          <p:cNvSpPr/>
+          <p:nvPr/>
+        </p:nvSpPr>
+        <p:spPr>
+          <a:xfrm>
+            <a:off x="17004614" y="255770"/>
+            <a:ext cx="18264947" cy="8822603"/>
+          </a:xfrm>
+          <a:prstGeom prst="rect">
+            <a:avLst/>
+          </a:prstGeom>
+          <a:solidFill>
+            <a:srgbClr val="C59EE2"/>
+          </a:solidFill>
+          <a:ln>
+            <a:solidFill>
+              <a:srgbClr val="7030A0"/>
+            </a:solidFill>
+          </a:ln>
+        </p:spPr>
+        <p:style>
+          <a:lnRef idx="2">
+            <a:schemeClr val="accent1">
+              <a:shade val="50000"/>
+            </a:schemeClr>
+          </a:lnRef>
+          <a:fillRef idx="1">
+            <a:schemeClr val="accent1"/>
+          </a:fillRef>
+          <a:effectRef idx="0">
+            <a:schemeClr val="accent1"/>
+          </a:effectRef>
+          <a:fontRef idx="minor">
+            <a:schemeClr val="lt1"/>
+          </a:fontRef>
+        </p:style>
+        <p:txBody>
+          <a:bodyPr rot="0" spcFirstLastPara="0" vertOverflow="overflow" horzOverflow="overflow" vert="horz" wrap="square" lIns="182880" tIns="91440" rIns="182880" bIns="91440" numCol="1" spcCol="0" rtlCol="0" fromWordArt="0" anchor="ctr" anchorCtr="0" forceAA="0" compatLnSpc="1">
+            <a:prstTxWarp prst="textNoShape">
+              <a:avLst/>
+            </a:prstTxWarp>
+            <a:noAutofit/>
+          </a:bodyPr>
+          <a:lstStyle/>
+          <a:p>
+            <a:pPr algn="ctr"/>
+            <a:endParaRPr lang="en-US" sz="7200"/>
+          </a:p>
+        </p:txBody>
+      </p:sp>
+      <p:sp>
+        <p:nvSpPr>
+          <p:cNvPr id="13" name="Rectangle 12"/>
+          <p:cNvSpPr/>
+          <p:nvPr/>
+        </p:nvSpPr>
+        <p:spPr>
+          <a:xfrm>
+            <a:off x="17041543" y="2024368"/>
+            <a:ext cx="18225194" cy="7054006"/>
+          </a:xfrm>
+          <a:prstGeom prst="rect">
+            <a:avLst/>
+          </a:prstGeom>
+          <a:solidFill>
+            <a:srgbClr val="7030A0"/>
+          </a:solidFill>
+          <a:ln>
+            <a:solidFill>
+              <a:srgbClr val="7030A0"/>
+            </a:solidFill>
+          </a:ln>
+        </p:spPr>
+        <p:style>
+          <a:lnRef idx="2">
+            <a:schemeClr val="accent1">
+              <a:shade val="50000"/>
+            </a:schemeClr>
+          </a:lnRef>
+          <a:fillRef idx="1">
+            <a:schemeClr val="accent1"/>
+          </a:fillRef>
+          <a:effectRef idx="0">
+            <a:schemeClr val="accent1"/>
+          </a:effectRef>
+          <a:fontRef idx="minor">
+            <a:schemeClr val="lt1"/>
+          </a:fontRef>
+        </p:style>
+        <p:txBody>
+          <a:bodyPr rot="0" spcFirstLastPara="0" vertOverflow="overflow" horzOverflow="overflow" vert="horz" wrap="square" lIns="182880" tIns="91440" rIns="182880" bIns="91440" numCol="1" spcCol="0" rtlCol="0" fromWordArt="0" anchor="ctr" anchorCtr="0" forceAA="0" compatLnSpc="1">
+            <a:prstTxWarp prst="textNoShape">
+              <a:avLst/>
+            </a:prstTxWarp>
+            <a:noAutofit/>
+          </a:bodyPr>
+          <a:lstStyle/>
+          <a:p>
+            <a:pPr algn="ctr"/>
+            <a:endParaRPr lang="en-US" sz="7200"/>
+          </a:p>
+        </p:txBody>
+      </p:sp>
+      <p:pic>
+        <p:nvPicPr>
+          <p:cNvPr id="7" name="Picture 4" descr="Hortonworks Logo"/>
+          <p:cNvPicPr>
+            <a:picLocks noChangeAspect="1" noChangeArrowheads="1"/>
+          </p:cNvPicPr>
+          <p:nvPr/>
+        </p:nvPicPr>
+        <p:blipFill>
+          <a:blip r:embed="rId3">
+            <a:extLst>
+              <a:ext uri="{28A0092B-C50C-407E-A947-70E740481C1C}">
+                <a14:useLocalDpi xmlns:a14="http://schemas.microsoft.com/office/drawing/2010/main" val="0"/>
+              </a:ext>
+            </a:extLst>
+          </a:blip>
+          <a:srcRect/>
+          <a:stretch>
+            <a:fillRect/>
+          </a:stretch>
+        </p:blipFill>
+        <p:spPr bwMode="auto">
+          <a:xfrm>
+            <a:off x="583004" y="435774"/>
+            <a:ext cx="3810000" cy="1447800"/>
+          </a:xfrm>
+          <a:prstGeom prst="rect">
+            <a:avLst/>
+          </a:prstGeom>
+          <a:noFill/>
+          <a:extLst>
+            <a:ext uri="{909E8E84-426E-40DD-AFC4-6F175D3DCCD1}">
+              <a14:hiddenFill xmlns:a14="http://schemas.microsoft.com/office/drawing/2010/main">
+                <a:solidFill>
+                  <a:srgbClr val="FFFFFF"/>
+                </a:solidFill>
+              </a14:hiddenFill>
+            </a:ext>
+          </a:extLst>
+        </p:spPr>
+      </p:pic>
       <p:pic>
         <p:nvPicPr>
           <p:cNvPr id="9" name="Picture 8"/>
@@ -3180,7 +3221,7 @@
           <p:nvPr/>
         </p:nvPicPr>
         <p:blipFill>
-          <a:blip r:embed="rId3"/>
+          <a:blip r:embed="rId4"/>
           <a:stretch>
             <a:fillRect/>
           </a:stretch>
@@ -3203,7 +3244,7 @@
         </p:nvSpPr>
         <p:spPr>
           <a:xfrm>
-            <a:off x="18692863" y="7687721"/>
+            <a:off x="18692863" y="8015965"/>
             <a:ext cx="3646438" cy="369332"/>
           </a:xfrm>
           <a:prstGeom prst="rect">
@@ -3256,7 +3297,7 @@
         </p:nvSpPr>
         <p:spPr>
           <a:xfrm>
-            <a:off x="22471770" y="7679213"/>
+            <a:off x="22471770" y="8007457"/>
             <a:ext cx="4592696" cy="369332"/>
           </a:xfrm>
           <a:prstGeom prst="rect">
@@ -3298,7 +3339,7 @@
         </p:nvSpPr>
         <p:spPr>
           <a:xfrm>
-            <a:off x="23305706" y="8145079"/>
+            <a:off x="23305706" y="8473323"/>
             <a:ext cx="6032292" cy="461665"/>
           </a:xfrm>
           <a:prstGeom prst="rect">
@@ -3383,7 +3424,7 @@
         </p:nvSpPr>
         <p:spPr>
           <a:xfrm>
-            <a:off x="27196936" y="7682213"/>
+            <a:off x="27196936" y="8010457"/>
             <a:ext cx="3555164" cy="369332"/>
           </a:xfrm>
           <a:prstGeom prst="rect">
@@ -3425,8 +3466,8 @@
         </p:nvSpPr>
         <p:spPr>
           <a:xfrm>
-            <a:off x="30896398" y="7679213"/>
-            <a:ext cx="2853432" cy="369332"/>
+            <a:off x="30896398" y="8007457"/>
+            <a:ext cx="4306868" cy="369332"/>
           </a:xfrm>
           <a:prstGeom prst="rect">
             <a:avLst/>
@@ -3468,14 +3509,14 @@
           <p:nvPr>
             <p:extLst>
               <p:ext uri="{D42A27DB-BD31-4B8C-83A1-F6EECF244321}">
-                <p14:modId xmlns:p14="http://schemas.microsoft.com/office/powerpoint/2010/main" val="1665057805"/>
+                <p14:modId xmlns:p14="http://schemas.microsoft.com/office/powerpoint/2010/main" val="2933982273"/>
               </p:ext>
             </p:extLst>
           </p:nvPr>
         </p:nvGraphicFramePr>
         <p:xfrm>
-          <a:off x="17041543" y="2766060"/>
-          <a:ext cx="16918258" cy="4820820"/>
+          <a:off x="17041536" y="2730500"/>
+          <a:ext cx="18188278" cy="5184624"/>
         </p:xfrm>
         <a:graphic>
           <a:graphicData uri="http://schemas.openxmlformats.org/drawingml/2006/table">
@@ -3484,41 +3525,44 @@
                 <a:tableStyleId>{7DF18680-E054-41AD-8BC1-D1AEF772440D}</a:tableStyleId>
               </a:tblPr>
               <a:tblGrid>
-                <a:gridCol w="1802994"/>
-                <a:gridCol w="472352"/>
-                <a:gridCol w="472352"/>
-                <a:gridCol w="472352"/>
-                <a:gridCol w="472352"/>
-                <a:gridCol w="472352"/>
-                <a:gridCol w="472352"/>
-                <a:gridCol w="472352"/>
-                <a:gridCol w="472352"/>
-                <a:gridCol w="472352"/>
-                <a:gridCol w="472352"/>
-                <a:gridCol w="472352"/>
-                <a:gridCol w="472352"/>
-                <a:gridCol w="472352"/>
-                <a:gridCol w="472352"/>
-                <a:gridCol w="472352"/>
-                <a:gridCol w="472352"/>
-                <a:gridCol w="472352"/>
-                <a:gridCol w="472352"/>
-                <a:gridCol w="472352"/>
-                <a:gridCol w="472352"/>
-                <a:gridCol w="472352"/>
-                <a:gridCol w="472352"/>
-                <a:gridCol w="472352"/>
-                <a:gridCol w="472352"/>
-                <a:gridCol w="472352"/>
-                <a:gridCol w="472352"/>
-                <a:gridCol w="472352"/>
-                <a:gridCol w="472352"/>
-                <a:gridCol w="472352"/>
-                <a:gridCol w="472352"/>
-                <a:gridCol w="520646"/>
-                <a:gridCol w="424058"/>
+                <a:gridCol w="1802781"/>
+                <a:gridCol w="472296"/>
+                <a:gridCol w="472296"/>
+                <a:gridCol w="472296"/>
+                <a:gridCol w="472296"/>
+                <a:gridCol w="472296"/>
+                <a:gridCol w="472296"/>
+                <a:gridCol w="472296"/>
+                <a:gridCol w="472296"/>
+                <a:gridCol w="472296"/>
+                <a:gridCol w="472296"/>
+                <a:gridCol w="472296"/>
+                <a:gridCol w="472296"/>
+                <a:gridCol w="472296"/>
+                <a:gridCol w="472296"/>
+                <a:gridCol w="472296"/>
+                <a:gridCol w="472296"/>
+                <a:gridCol w="472296"/>
+                <a:gridCol w="472296"/>
+                <a:gridCol w="472296"/>
+                <a:gridCol w="472296"/>
+                <a:gridCol w="472296"/>
+                <a:gridCol w="472296"/>
+                <a:gridCol w="472296"/>
+                <a:gridCol w="472296"/>
+                <a:gridCol w="472296"/>
+                <a:gridCol w="472296"/>
+                <a:gridCol w="472296"/>
+                <a:gridCol w="472296"/>
+                <a:gridCol w="472296"/>
+                <a:gridCol w="472296"/>
+                <a:gridCol w="520585"/>
+                <a:gridCol w="424008"/>
+                <a:gridCol w="424008"/>
+                <a:gridCol w="424008"/>
+                <a:gridCol w="424008"/>
               </a:tblGrid>
-              <a:tr h="4820820">
+              <a:tr h="5184624">
                 <a:tc>
                   <a:txBody>
                     <a:bodyPr/>
@@ -3839,7 +3883,7 @@
                     <a:p>
                       <a:r>
                         <a:rPr lang="nl-NL" sz="2100" dirty="0" err="1" smtClean="0"/>
-                        <a:t>JBoss</a:t>
+                        <a:t>AppServer</a:t>
                       </a:r>
                       <a:endParaRPr lang="en-US" sz="2100" dirty="0"/>
                     </a:p>
@@ -3933,6 +3977,151 @@
                   </a:txBody>
                   <a:tcPr marL="182880" marR="182880" marT="91440" marB="91440" vert="vert270" anchor="ctr"/>
                 </a:tc>
+                <a:tc>
+                  <a:txBody>
+                    <a:bodyPr/>
+                    <a:lstStyle/>
+                    <a:p>
+                      <a:pPr marL="0" marR="0" lvl="0" indent="0" algn="l" defTabSz="1463040" rtl="0" eaLnBrk="1" fontAlgn="auto" latinLnBrk="0" hangingPunct="1">
+                        <a:lnSpc>
+                          <a:spcPct val="100000"/>
+                        </a:lnSpc>
+                        <a:spcBef>
+                          <a:spcPts val="0"/>
+                        </a:spcBef>
+                        <a:spcAft>
+                          <a:spcPts val="0"/>
+                        </a:spcAft>
+                        <a:buClrTx/>
+                        <a:buSzTx/>
+                        <a:buFontTx/>
+                        <a:buNone/>
+                        <a:tabLst/>
+                        <a:defRPr/>
+                      </a:pPr>
+                      <a:r>
+                        <a:rPr kumimoji="0" lang="nl-NL" sz="2100" b="0" i="0" u="none" strike="noStrike" kern="1200" cap="none" spc="0" normalizeH="0" baseline="0" noProof="0" dirty="0" err="1" smtClean="0">
+                          <a:ln>
+                            <a:noFill/>
+                          </a:ln>
+                          <a:solidFill>
+                            <a:prstClr val="black"/>
+                          </a:solidFill>
+                          <a:effectLst/>
+                          <a:uLnTx/>
+                          <a:uFillTx/>
+                          <a:latin typeface="+mn-lt"/>
+                          <a:ea typeface="+mn-ea"/>
+                          <a:cs typeface="+mn-cs"/>
+                        </a:rPr>
+                        <a:t>Ganglia</a:t>
+                      </a:r>
+                      <a:endParaRPr kumimoji="0" lang="en-US" sz="2100" b="0" i="0" u="none" strike="noStrike" kern="1200" cap="none" spc="0" normalizeH="0" baseline="0" noProof="0" dirty="0" smtClean="0">
+                        <a:ln>
+                          <a:noFill/>
+                        </a:ln>
+                        <a:solidFill>
+                          <a:prstClr val="black"/>
+                        </a:solidFill>
+                        <a:effectLst/>
+                        <a:uLnTx/>
+                        <a:uFillTx/>
+                        <a:latin typeface="+mn-lt"/>
+                        <a:ea typeface="+mn-ea"/>
+                        <a:cs typeface="+mn-cs"/>
+                      </a:endParaRPr>
+                    </a:p>
+                    <a:p>
+                      <a:pPr>
+                        <a:lnSpc>
+                          <a:spcPct val="20000"/>
+                        </a:lnSpc>
+                      </a:pPr>
+                      <a:endParaRPr lang="en-US" sz="200" dirty="0"/>
+                    </a:p>
+                  </a:txBody>
+                  <a:tcPr marL="182880" marR="182880" marT="91440" marB="91440" vert="vert270" anchor="ctr"/>
+                </a:tc>
+                <a:tc>
+                  <a:txBody>
+                    <a:bodyPr/>
+                    <a:lstStyle/>
+                    <a:p>
+                      <a:pPr>
+                        <a:lnSpc>
+                          <a:spcPct val="20000"/>
+                        </a:lnSpc>
+                      </a:pPr>
+                      <a:endParaRPr lang="en-US" sz="200" dirty="0"/>
+                    </a:p>
+                  </a:txBody>
+                  <a:tcPr marL="182880" marR="182880" marT="91440" marB="91440" vert="vert270" anchor="ctr"/>
+                </a:tc>
+                <a:tc>
+                  <a:txBody>
+                    <a:bodyPr/>
+                    <a:lstStyle/>
+                    <a:p>
+                      <a:pPr marL="0" marR="0" lvl="0" indent="0" algn="l" defTabSz="1463040" rtl="0" eaLnBrk="1" fontAlgn="auto" latinLnBrk="0" hangingPunct="1">
+                        <a:lnSpc>
+                          <a:spcPct val="100000"/>
+                        </a:lnSpc>
+                        <a:spcBef>
+                          <a:spcPts val="0"/>
+                        </a:spcBef>
+                        <a:spcAft>
+                          <a:spcPts val="0"/>
+                        </a:spcAft>
+                        <a:buClrTx/>
+                        <a:buSzTx/>
+                        <a:buFontTx/>
+                        <a:buNone/>
+                        <a:tabLst/>
+                        <a:defRPr/>
+                      </a:pPr>
+                      <a:r>
+                        <a:rPr kumimoji="0" lang="nl-NL" sz="2100" b="0" i="0" u="none" strike="noStrike" kern="1200" cap="none" spc="0" normalizeH="0" baseline="0" noProof="0" dirty="0" err="1" smtClean="0">
+                          <a:ln>
+                            <a:noFill/>
+                          </a:ln>
+                          <a:solidFill>
+                            <a:prstClr val="black"/>
+                          </a:solidFill>
+                          <a:effectLst/>
+                          <a:uLnTx/>
+                          <a:uFillTx/>
+                          <a:latin typeface="+mn-lt"/>
+                          <a:ea typeface="+mn-ea"/>
+                          <a:cs typeface="+mn-cs"/>
+                        </a:rPr>
+                        <a:t>Nagios</a:t>
+                      </a:r>
+                      <a:endParaRPr kumimoji="0" lang="en-US" sz="2100" b="0" i="0" u="none" strike="noStrike" kern="1200" cap="none" spc="0" normalizeH="0" baseline="0" noProof="0" dirty="0" smtClean="0">
+                        <a:ln>
+                          <a:noFill/>
+                        </a:ln>
+                        <a:solidFill>
+                          <a:prstClr val="black"/>
+                        </a:solidFill>
+                        <a:effectLst/>
+                        <a:uLnTx/>
+                        <a:uFillTx/>
+                        <a:latin typeface="+mn-lt"/>
+                        <a:ea typeface="+mn-ea"/>
+                        <a:cs typeface="+mn-cs"/>
+                      </a:endParaRPr>
+                    </a:p>
+                    <a:p>
+                      <a:pPr>
+                        <a:lnSpc>
+                          <a:spcPct val="20000"/>
+                        </a:lnSpc>
+                      </a:pPr>
+                      <a:endParaRPr lang="en-US" sz="200" dirty="0"/>
+                    </a:p>
+                  </a:txBody>
+                  <a:tcPr marL="182880" marR="182880" marT="91440" marB="91440" vert="vert270" anchor="ctr"/>
+                </a:tc>
               </a:tr>
             </a:tbl>
           </a:graphicData>
@@ -3946,7 +4135,7 @@
         </p:nvSpPr>
         <p:spPr>
           <a:xfrm>
-            <a:off x="17139650" y="5972879"/>
+            <a:off x="17139650" y="6482838"/>
             <a:ext cx="1287212" cy="675738"/>
           </a:xfrm>
           <a:prstGeom prst="rect">
@@ -4023,7 +4212,7 @@
         </p:nvSpPr>
         <p:spPr>
           <a:xfrm>
-            <a:off x="17139652" y="5238888"/>
+            <a:off x="17139652" y="5748847"/>
             <a:ext cx="1287212" cy="675738"/>
           </a:xfrm>
           <a:prstGeom prst="rect">
@@ -4100,7 +4289,7 @@
         </p:nvSpPr>
         <p:spPr>
           <a:xfrm>
-            <a:off x="17131974" y="4466479"/>
+            <a:off x="17131974" y="4997923"/>
             <a:ext cx="1287212" cy="675738"/>
           </a:xfrm>
           <a:prstGeom prst="rect">
@@ -4177,7 +4366,7 @@
         </p:nvSpPr>
         <p:spPr>
           <a:xfrm>
-            <a:off x="18532842" y="4635412"/>
+            <a:off x="18532842" y="5166856"/>
             <a:ext cx="1060792" cy="337868"/>
           </a:xfrm>
           <a:prstGeom prst="rect">
@@ -4243,7 +4432,7 @@
         </p:nvSpPr>
         <p:spPr>
           <a:xfrm>
-            <a:off x="19653774" y="4635412"/>
+            <a:off x="19653774" y="5166856"/>
             <a:ext cx="697456" cy="337868"/>
           </a:xfrm>
           <a:prstGeom prst="rect">
@@ -4309,7 +4498,7 @@
         </p:nvSpPr>
         <p:spPr>
           <a:xfrm>
-            <a:off x="21482356" y="4635412"/>
+            <a:off x="21482356" y="5166856"/>
             <a:ext cx="847156" cy="337868"/>
           </a:xfrm>
           <a:prstGeom prst="rect">
@@ -4375,7 +4564,7 @@
         </p:nvSpPr>
         <p:spPr>
           <a:xfrm>
-            <a:off x="20761918" y="4635412"/>
+            <a:off x="20761918" y="5166856"/>
             <a:ext cx="369816" cy="337868"/>
           </a:xfrm>
           <a:prstGeom prst="rect">
@@ -4444,7 +4633,7 @@
         </p:nvSpPr>
         <p:spPr>
           <a:xfrm>
-            <a:off x="33079518" y="4635412"/>
+            <a:off x="33079518" y="5166856"/>
             <a:ext cx="369816" cy="337868"/>
           </a:xfrm>
           <a:prstGeom prst="rect">
@@ -4513,7 +4702,7 @@
         </p:nvSpPr>
         <p:spPr>
           <a:xfrm>
-            <a:off x="32102970" y="4635412"/>
+            <a:off x="32102970" y="5166856"/>
             <a:ext cx="369816" cy="337868"/>
           </a:xfrm>
           <a:prstGeom prst="rect">
@@ -4582,7 +4771,7 @@
         </p:nvSpPr>
         <p:spPr>
           <a:xfrm>
-            <a:off x="29985742" y="4635412"/>
+            <a:off x="29985742" y="5166856"/>
             <a:ext cx="847156" cy="337868"/>
           </a:xfrm>
           <a:prstGeom prst="rect">
@@ -4648,7 +4837,7 @@
         </p:nvSpPr>
         <p:spPr>
           <a:xfrm>
-            <a:off x="26231984" y="4635412"/>
+            <a:off x="26231984" y="5166856"/>
             <a:ext cx="847156" cy="337868"/>
           </a:xfrm>
           <a:prstGeom prst="rect">
@@ -4714,7 +4903,7 @@
         </p:nvSpPr>
         <p:spPr>
           <a:xfrm>
-            <a:off x="22418430" y="4635412"/>
+            <a:off x="22418430" y="5166856"/>
             <a:ext cx="847156" cy="337868"/>
           </a:xfrm>
           <a:prstGeom prst="rect">
@@ -4780,7 +4969,7 @@
         </p:nvSpPr>
         <p:spPr>
           <a:xfrm>
-            <a:off x="27161918" y="4635412"/>
+            <a:off x="27161918" y="5166856"/>
             <a:ext cx="847156" cy="337868"/>
           </a:xfrm>
           <a:prstGeom prst="rect">
@@ -4846,7 +5035,7 @@
         </p:nvSpPr>
         <p:spPr>
           <a:xfrm>
-            <a:off x="24297518" y="4635412"/>
+            <a:off x="24297518" y="5166856"/>
             <a:ext cx="847156" cy="337868"/>
           </a:xfrm>
           <a:prstGeom prst="rect">
@@ -4912,7 +5101,7 @@
         </p:nvSpPr>
         <p:spPr>
           <a:xfrm>
-            <a:off x="28114246" y="4635412"/>
+            <a:off x="28114246" y="5166856"/>
             <a:ext cx="847156" cy="337868"/>
           </a:xfrm>
           <a:prstGeom prst="rect">
@@ -4978,7 +5167,7 @@
         </p:nvSpPr>
         <p:spPr>
           <a:xfrm>
-            <a:off x="31172126" y="4635412"/>
+            <a:off x="31172126" y="5166856"/>
             <a:ext cx="369816" cy="337868"/>
           </a:xfrm>
           <a:prstGeom prst="rect">
@@ -5047,7 +5236,7 @@
         </p:nvSpPr>
         <p:spPr>
           <a:xfrm>
-            <a:off x="29067380" y="4635412"/>
+            <a:off x="29067380" y="5166856"/>
             <a:ext cx="847156" cy="337868"/>
           </a:xfrm>
           <a:prstGeom prst="rect">
@@ -5113,7 +5302,7 @@
         </p:nvSpPr>
         <p:spPr>
           <a:xfrm>
-            <a:off x="23353478" y="4635412"/>
+            <a:off x="23353478" y="5166856"/>
             <a:ext cx="847156" cy="337868"/>
           </a:xfrm>
           <a:prstGeom prst="rect">
@@ -5179,7 +5368,7 @@
         </p:nvSpPr>
         <p:spPr>
           <a:xfrm>
-            <a:off x="25219030" y="4635412"/>
+            <a:off x="25219030" y="5166856"/>
             <a:ext cx="909344" cy="337868"/>
           </a:xfrm>
           <a:prstGeom prst="rect">
@@ -5247,7 +5436,7 @@
         </p:nvCxnSpPr>
         <p:spPr>
           <a:xfrm flipV="1">
-            <a:off x="16824813" y="4804348"/>
+            <a:off x="16824813" y="5335792"/>
             <a:ext cx="307161" cy="357054"/>
           </a:xfrm>
           <a:prstGeom prst="line">
@@ -5286,7 +5475,7 @@
         </p:nvCxnSpPr>
         <p:spPr>
           <a:xfrm>
-            <a:off x="16824813" y="5146555"/>
+            <a:off x="16824813" y="5656514"/>
             <a:ext cx="314839" cy="430202"/>
           </a:xfrm>
           <a:prstGeom prst="line">
@@ -5325,7 +5514,7 @@
         </p:nvCxnSpPr>
         <p:spPr>
           <a:xfrm>
-            <a:off x="16824813" y="5116335"/>
+            <a:off x="16824813" y="5626294"/>
             <a:ext cx="314837" cy="1194413"/>
           </a:xfrm>
           <a:prstGeom prst="line">
@@ -5365,7 +5554,7 @@
         </p:nvCxnSpPr>
         <p:spPr>
           <a:xfrm flipV="1">
-            <a:off x="18419186" y="4804347"/>
+            <a:off x="18419186" y="5335791"/>
             <a:ext cx="113656" cy="2"/>
           </a:xfrm>
           <a:prstGeom prst="line">
@@ -5403,7 +5592,7 @@
         </p:nvCxnSpPr>
         <p:spPr>
           <a:xfrm>
-            <a:off x="19593634" y="4804346"/>
+            <a:off x="19593634" y="5335790"/>
             <a:ext cx="60140" cy="0"/>
           </a:xfrm>
           <a:prstGeom prst="line">
@@ -5441,7 +5630,7 @@
         </p:nvCxnSpPr>
         <p:spPr>
           <a:xfrm>
-            <a:off x="20351230" y="4804346"/>
+            <a:off x="20351230" y="5335790"/>
             <a:ext cx="410688" cy="0"/>
           </a:xfrm>
           <a:prstGeom prst="line">
@@ -5481,7 +5670,7 @@
         </p:nvCxnSpPr>
         <p:spPr>
           <a:xfrm>
-            <a:off x="21131735" y="4804346"/>
+            <a:off x="21131735" y="5335790"/>
             <a:ext cx="350622" cy="0"/>
           </a:xfrm>
           <a:prstGeom prst="line">
@@ -5521,7 +5710,7 @@
         </p:nvCxnSpPr>
         <p:spPr>
           <a:xfrm>
-            <a:off x="22329513" y="4804346"/>
+            <a:off x="22329513" y="5335790"/>
             <a:ext cx="88918" cy="0"/>
           </a:xfrm>
           <a:prstGeom prst="line">
@@ -5561,7 +5750,7 @@
         </p:nvCxnSpPr>
         <p:spPr>
           <a:xfrm>
-            <a:off x="23265586" y="4804346"/>
+            <a:off x="23265586" y="5335790"/>
             <a:ext cx="87892" cy="0"/>
           </a:xfrm>
           <a:prstGeom prst="line">
@@ -5601,7 +5790,7 @@
         </p:nvCxnSpPr>
         <p:spPr>
           <a:xfrm>
-            <a:off x="24200634" y="4804346"/>
+            <a:off x="24200634" y="5335790"/>
             <a:ext cx="96884" cy="0"/>
           </a:xfrm>
           <a:prstGeom prst="line">
@@ -5641,7 +5830,7 @@
         </p:nvCxnSpPr>
         <p:spPr>
           <a:xfrm>
-            <a:off x="25144674" y="4804346"/>
+            <a:off x="25144674" y="5335790"/>
             <a:ext cx="74356" cy="0"/>
           </a:xfrm>
           <a:prstGeom prst="line">
@@ -5681,7 +5870,7 @@
         </p:nvCxnSpPr>
         <p:spPr>
           <a:xfrm>
-            <a:off x="26128375" y="4804346"/>
+            <a:off x="26128375" y="5335790"/>
             <a:ext cx="103610" cy="0"/>
           </a:xfrm>
           <a:prstGeom prst="line">
@@ -5721,7 +5910,7 @@
         </p:nvCxnSpPr>
         <p:spPr>
           <a:xfrm>
-            <a:off x="27079141" y="4804346"/>
+            <a:off x="27079141" y="5335790"/>
             <a:ext cx="82778" cy="0"/>
           </a:xfrm>
           <a:prstGeom prst="line">
@@ -5761,7 +5950,7 @@
         </p:nvCxnSpPr>
         <p:spPr>
           <a:xfrm>
-            <a:off x="28009074" y="4804346"/>
+            <a:off x="28009074" y="5335790"/>
             <a:ext cx="105172" cy="0"/>
           </a:xfrm>
           <a:prstGeom prst="line">
@@ -5801,7 +5990,7 @@
         </p:nvCxnSpPr>
         <p:spPr>
           <a:xfrm>
-            <a:off x="28961403" y="4804346"/>
+            <a:off x="28961403" y="5335790"/>
             <a:ext cx="105978" cy="0"/>
           </a:xfrm>
           <a:prstGeom prst="line">
@@ -5841,7 +6030,7 @@
         </p:nvCxnSpPr>
         <p:spPr>
           <a:xfrm>
-            <a:off x="29914537" y="4804346"/>
+            <a:off x="29914537" y="5335790"/>
             <a:ext cx="71206" cy="0"/>
           </a:xfrm>
           <a:prstGeom prst="line">
@@ -5881,7 +6070,7 @@
         </p:nvCxnSpPr>
         <p:spPr>
           <a:xfrm>
-            <a:off x="30832898" y="4804346"/>
+            <a:off x="30832898" y="5335790"/>
             <a:ext cx="339228" cy="0"/>
           </a:xfrm>
           <a:prstGeom prst="line">
@@ -5921,7 +6110,7 @@
         </p:nvCxnSpPr>
         <p:spPr>
           <a:xfrm>
-            <a:off x="31541942" y="4804346"/>
+            <a:off x="31541942" y="5335790"/>
             <a:ext cx="561028" cy="0"/>
           </a:xfrm>
           <a:prstGeom prst="line">
@@ -5961,7 +6150,7 @@
         </p:nvCxnSpPr>
         <p:spPr>
           <a:xfrm>
-            <a:off x="32472786" y="4804346"/>
+            <a:off x="32472786" y="5335790"/>
             <a:ext cx="606732" cy="0"/>
           </a:xfrm>
           <a:prstGeom prst="line">
@@ -5998,7 +6187,7 @@
         </p:nvSpPr>
         <p:spPr>
           <a:xfrm>
-            <a:off x="18532842" y="5407824"/>
+            <a:off x="18532842" y="5736068"/>
             <a:ext cx="1060792" cy="337868"/>
           </a:xfrm>
           <a:prstGeom prst="rect">
@@ -6064,7 +6253,7 @@
         </p:nvSpPr>
         <p:spPr>
           <a:xfrm>
-            <a:off x="19653774" y="5407824"/>
+            <a:off x="19653774" y="5736068"/>
             <a:ext cx="697456" cy="337868"/>
           </a:xfrm>
           <a:prstGeom prst="rect">
@@ -6130,7 +6319,7 @@
         </p:nvSpPr>
         <p:spPr>
           <a:xfrm>
-            <a:off x="21482356" y="5407824"/>
+            <a:off x="21482356" y="5736068"/>
             <a:ext cx="847156" cy="337868"/>
           </a:xfrm>
           <a:prstGeom prst="rect">
@@ -6196,7 +6385,7 @@
         </p:nvSpPr>
         <p:spPr>
           <a:xfrm>
-            <a:off x="20761918" y="5407824"/>
+            <a:off x="20761918" y="5736068"/>
             <a:ext cx="369816" cy="337868"/>
           </a:xfrm>
           <a:prstGeom prst="rect">
@@ -6265,7 +6454,7 @@
         </p:nvSpPr>
         <p:spPr>
           <a:xfrm>
-            <a:off x="33079518" y="5407824"/>
+            <a:off x="33079518" y="5736068"/>
             <a:ext cx="369816" cy="337868"/>
           </a:xfrm>
           <a:prstGeom prst="rect">
@@ -6334,7 +6523,7 @@
         </p:nvSpPr>
         <p:spPr>
           <a:xfrm>
-            <a:off x="32102970" y="5407824"/>
+            <a:off x="32102970" y="5736068"/>
             <a:ext cx="369816" cy="337868"/>
           </a:xfrm>
           <a:prstGeom prst="rect">
@@ -6403,7 +6592,7 @@
         </p:nvSpPr>
         <p:spPr>
           <a:xfrm>
-            <a:off x="29985742" y="5407824"/>
+            <a:off x="29985742" y="5736068"/>
             <a:ext cx="847156" cy="337868"/>
           </a:xfrm>
           <a:prstGeom prst="rect">
@@ -6469,7 +6658,7 @@
         </p:nvSpPr>
         <p:spPr>
           <a:xfrm>
-            <a:off x="26231984" y="5407824"/>
+            <a:off x="26231984" y="5736068"/>
             <a:ext cx="847156" cy="337868"/>
           </a:xfrm>
           <a:prstGeom prst="rect">
@@ -6535,7 +6724,7 @@
         </p:nvSpPr>
         <p:spPr>
           <a:xfrm>
-            <a:off x="22418430" y="5407824"/>
+            <a:off x="22418430" y="5736068"/>
             <a:ext cx="847156" cy="337868"/>
           </a:xfrm>
           <a:prstGeom prst="rect">
@@ -6601,7 +6790,7 @@
         </p:nvSpPr>
         <p:spPr>
           <a:xfrm>
-            <a:off x="27161918" y="5407824"/>
+            <a:off x="27161918" y="5736068"/>
             <a:ext cx="847156" cy="337868"/>
           </a:xfrm>
           <a:prstGeom prst="rect">
@@ -6667,7 +6856,7 @@
         </p:nvSpPr>
         <p:spPr>
           <a:xfrm>
-            <a:off x="24297518" y="5407824"/>
+            <a:off x="24297518" y="5736068"/>
             <a:ext cx="847156" cy="337868"/>
           </a:xfrm>
           <a:prstGeom prst="rect">
@@ -6733,7 +6922,7 @@
         </p:nvSpPr>
         <p:spPr>
           <a:xfrm>
-            <a:off x="28114246" y="5407824"/>
+            <a:off x="28114246" y="5736068"/>
             <a:ext cx="847156" cy="337868"/>
           </a:xfrm>
           <a:prstGeom prst="rect">
@@ -6799,7 +6988,7 @@
         </p:nvSpPr>
         <p:spPr>
           <a:xfrm>
-            <a:off x="31172126" y="5407824"/>
+            <a:off x="31172126" y="5736068"/>
             <a:ext cx="369816" cy="337868"/>
           </a:xfrm>
           <a:prstGeom prst="rect">
@@ -6868,7 +7057,7 @@
         </p:nvSpPr>
         <p:spPr>
           <a:xfrm>
-            <a:off x="29067380" y="5407824"/>
+            <a:off x="29067380" y="5736068"/>
             <a:ext cx="847156" cy="337868"/>
           </a:xfrm>
           <a:prstGeom prst="rect">
@@ -6934,7 +7123,7 @@
         </p:nvSpPr>
         <p:spPr>
           <a:xfrm>
-            <a:off x="23353478" y="5407824"/>
+            <a:off x="23353478" y="5736068"/>
             <a:ext cx="847156" cy="337868"/>
           </a:xfrm>
           <a:prstGeom prst="rect">
@@ -7000,7 +7189,7 @@
         </p:nvSpPr>
         <p:spPr>
           <a:xfrm>
-            <a:off x="25219030" y="5407824"/>
+            <a:off x="25219030" y="5736068"/>
             <a:ext cx="909344" cy="337868"/>
           </a:xfrm>
           <a:prstGeom prst="rect">
@@ -7069,8 +7258,8 @@
         </p:nvCxnSpPr>
         <p:spPr>
           <a:xfrm flipV="1">
-            <a:off x="18426862" y="5576758"/>
-            <a:ext cx="105980" cy="733990"/>
+            <a:off x="18426862" y="5905002"/>
+            <a:ext cx="105980" cy="915705"/>
           </a:xfrm>
           <a:prstGeom prst="line">
             <a:avLst/>
@@ -7109,7 +7298,7 @@
         </p:nvCxnSpPr>
         <p:spPr>
           <a:xfrm>
-            <a:off x="19593634" y="5576758"/>
+            <a:off x="19593634" y="5905002"/>
             <a:ext cx="60140" cy="0"/>
           </a:xfrm>
           <a:prstGeom prst="line">
@@ -7149,7 +7338,7 @@
         </p:nvCxnSpPr>
         <p:spPr>
           <a:xfrm>
-            <a:off x="20351230" y="5576758"/>
+            <a:off x="20351230" y="5905002"/>
             <a:ext cx="410688" cy="0"/>
           </a:xfrm>
           <a:prstGeom prst="line">
@@ -7189,7 +7378,7 @@
         </p:nvCxnSpPr>
         <p:spPr>
           <a:xfrm>
-            <a:off x="21131735" y="5576758"/>
+            <a:off x="21131735" y="5905002"/>
             <a:ext cx="350622" cy="0"/>
           </a:xfrm>
           <a:prstGeom prst="line">
@@ -7229,7 +7418,7 @@
         </p:nvCxnSpPr>
         <p:spPr>
           <a:xfrm>
-            <a:off x="22329513" y="5576758"/>
+            <a:off x="22329513" y="5905002"/>
             <a:ext cx="88918" cy="0"/>
           </a:xfrm>
           <a:prstGeom prst="line">
@@ -7269,7 +7458,7 @@
         </p:nvCxnSpPr>
         <p:spPr>
           <a:xfrm>
-            <a:off x="23265586" y="5576758"/>
+            <a:off x="23265586" y="5905002"/>
             <a:ext cx="87892" cy="0"/>
           </a:xfrm>
           <a:prstGeom prst="line">
@@ -7309,7 +7498,7 @@
         </p:nvCxnSpPr>
         <p:spPr>
           <a:xfrm>
-            <a:off x="24200634" y="5576758"/>
+            <a:off x="24200634" y="5905002"/>
             <a:ext cx="96884" cy="0"/>
           </a:xfrm>
           <a:prstGeom prst="line">
@@ -7349,7 +7538,7 @@
         </p:nvCxnSpPr>
         <p:spPr>
           <a:xfrm>
-            <a:off x="25144674" y="5576758"/>
+            <a:off x="25144674" y="5905002"/>
             <a:ext cx="74356" cy="0"/>
           </a:xfrm>
           <a:prstGeom prst="line">
@@ -7389,7 +7578,7 @@
         </p:nvCxnSpPr>
         <p:spPr>
           <a:xfrm>
-            <a:off x="26128375" y="5576758"/>
+            <a:off x="26128375" y="5905002"/>
             <a:ext cx="103610" cy="0"/>
           </a:xfrm>
           <a:prstGeom prst="line">
@@ -7429,7 +7618,7 @@
         </p:nvCxnSpPr>
         <p:spPr>
           <a:xfrm>
-            <a:off x="27079141" y="5576758"/>
+            <a:off x="27079141" y="5905002"/>
             <a:ext cx="82778" cy="0"/>
           </a:xfrm>
           <a:prstGeom prst="line">
@@ -7469,7 +7658,7 @@
         </p:nvCxnSpPr>
         <p:spPr>
           <a:xfrm>
-            <a:off x="28009074" y="5576758"/>
+            <a:off x="28009074" y="5905002"/>
             <a:ext cx="105172" cy="0"/>
           </a:xfrm>
           <a:prstGeom prst="line">
@@ -7509,7 +7698,7 @@
         </p:nvCxnSpPr>
         <p:spPr>
           <a:xfrm>
-            <a:off x="28961403" y="5576758"/>
+            <a:off x="28961403" y="5905002"/>
             <a:ext cx="105978" cy="0"/>
           </a:xfrm>
           <a:prstGeom prst="line">
@@ -7549,7 +7738,7 @@
         </p:nvCxnSpPr>
         <p:spPr>
           <a:xfrm>
-            <a:off x="29914537" y="5576758"/>
+            <a:off x="29914537" y="5905002"/>
             <a:ext cx="71206" cy="0"/>
           </a:xfrm>
           <a:prstGeom prst="line">
@@ -7589,7 +7778,7 @@
         </p:nvCxnSpPr>
         <p:spPr>
           <a:xfrm>
-            <a:off x="30832898" y="5576758"/>
+            <a:off x="30832898" y="5905002"/>
             <a:ext cx="339228" cy="0"/>
           </a:xfrm>
           <a:prstGeom prst="line">
@@ -7629,7 +7818,7 @@
         </p:nvCxnSpPr>
         <p:spPr>
           <a:xfrm>
-            <a:off x="31541942" y="5576758"/>
+            <a:off x="31541942" y="5905002"/>
             <a:ext cx="561028" cy="0"/>
           </a:xfrm>
           <a:prstGeom prst="line">
@@ -7669,7 +7858,7 @@
         </p:nvCxnSpPr>
         <p:spPr>
           <a:xfrm>
-            <a:off x="32472786" y="5576758"/>
+            <a:off x="32472786" y="5905002"/>
             <a:ext cx="606732" cy="0"/>
           </a:xfrm>
           <a:prstGeom prst="line">
@@ -7708,9 +7897,9 @@
           <p:nvPr/>
         </p:nvCxnSpPr>
         <p:spPr>
-          <a:xfrm>
-            <a:off x="18426864" y="5576757"/>
-            <a:ext cx="105978" cy="1"/>
+          <a:xfrm flipV="1">
+            <a:off x="18426864" y="5905002"/>
+            <a:ext cx="105978" cy="181714"/>
           </a:xfrm>
           <a:prstGeom prst="line">
             <a:avLst/>
@@ -7746,7 +7935,7 @@
         </p:nvSpPr>
         <p:spPr>
           <a:xfrm>
-            <a:off x="17131974" y="3708585"/>
+            <a:off x="17131974" y="4240029"/>
             <a:ext cx="1287212" cy="675738"/>
           </a:xfrm>
           <a:prstGeom prst="rect">
@@ -7823,7 +8012,7 @@
         </p:nvSpPr>
         <p:spPr>
           <a:xfrm>
-            <a:off x="18532842" y="3877518"/>
+            <a:off x="18532842" y="4408962"/>
             <a:ext cx="1060792" cy="337868"/>
           </a:xfrm>
           <a:prstGeom prst="rect">
@@ -7889,7 +8078,7 @@
         </p:nvSpPr>
         <p:spPr>
           <a:xfrm>
-            <a:off x="19653774" y="3877518"/>
+            <a:off x="19653774" y="4408962"/>
             <a:ext cx="697456" cy="337868"/>
           </a:xfrm>
           <a:prstGeom prst="rect">
@@ -7955,7 +8144,7 @@
         </p:nvSpPr>
         <p:spPr>
           <a:xfrm>
-            <a:off x="21482356" y="3877518"/>
+            <a:off x="21482356" y="4408962"/>
             <a:ext cx="847156" cy="337868"/>
           </a:xfrm>
           <a:prstGeom prst="rect">
@@ -8021,7 +8210,7 @@
         </p:nvSpPr>
         <p:spPr>
           <a:xfrm>
-            <a:off x="20761918" y="3877518"/>
+            <a:off x="20761918" y="4408962"/>
             <a:ext cx="369816" cy="337868"/>
           </a:xfrm>
           <a:prstGeom prst="rect">
@@ -8090,7 +8279,7 @@
         </p:nvSpPr>
         <p:spPr>
           <a:xfrm>
-            <a:off x="33079518" y="3877518"/>
+            <a:off x="33079518" y="4408962"/>
             <a:ext cx="369816" cy="337868"/>
           </a:xfrm>
           <a:prstGeom prst="rect">
@@ -8159,7 +8348,7 @@
         </p:nvSpPr>
         <p:spPr>
           <a:xfrm>
-            <a:off x="32102970" y="3877518"/>
+            <a:off x="32102970" y="4408962"/>
             <a:ext cx="369816" cy="337868"/>
           </a:xfrm>
           <a:prstGeom prst="rect">
@@ -8228,7 +8417,7 @@
         </p:nvSpPr>
         <p:spPr>
           <a:xfrm>
-            <a:off x="29985742" y="3877518"/>
+            <a:off x="29985742" y="4408962"/>
             <a:ext cx="847156" cy="337868"/>
           </a:xfrm>
           <a:prstGeom prst="rect">
@@ -8294,7 +8483,7 @@
         </p:nvSpPr>
         <p:spPr>
           <a:xfrm>
-            <a:off x="26231984" y="3877518"/>
+            <a:off x="26231984" y="4408962"/>
             <a:ext cx="847156" cy="337868"/>
           </a:xfrm>
           <a:prstGeom prst="rect">
@@ -8360,7 +8549,7 @@
         </p:nvSpPr>
         <p:spPr>
           <a:xfrm>
-            <a:off x="22418430" y="3877518"/>
+            <a:off x="22418430" y="4408962"/>
             <a:ext cx="847156" cy="337868"/>
           </a:xfrm>
           <a:prstGeom prst="rect">
@@ -8426,7 +8615,7 @@
         </p:nvSpPr>
         <p:spPr>
           <a:xfrm>
-            <a:off x="27161918" y="3877518"/>
+            <a:off x="27161918" y="4408962"/>
             <a:ext cx="847156" cy="337868"/>
           </a:xfrm>
           <a:prstGeom prst="rect">
@@ -8492,7 +8681,7 @@
         </p:nvSpPr>
         <p:spPr>
           <a:xfrm>
-            <a:off x="24297518" y="3877518"/>
+            <a:off x="24297518" y="4408962"/>
             <a:ext cx="847156" cy="337868"/>
           </a:xfrm>
           <a:prstGeom prst="rect">
@@ -8558,7 +8747,7 @@
         </p:nvSpPr>
         <p:spPr>
           <a:xfrm>
-            <a:off x="28114246" y="3877518"/>
+            <a:off x="28114246" y="4408962"/>
             <a:ext cx="847156" cy="337868"/>
           </a:xfrm>
           <a:prstGeom prst="rect">
@@ -8624,7 +8813,7 @@
         </p:nvSpPr>
         <p:spPr>
           <a:xfrm>
-            <a:off x="31172126" y="3877518"/>
+            <a:off x="31172126" y="4408962"/>
             <a:ext cx="369816" cy="337868"/>
           </a:xfrm>
           <a:prstGeom prst="rect">
@@ -8693,7 +8882,7 @@
         </p:nvSpPr>
         <p:spPr>
           <a:xfrm>
-            <a:off x="29067380" y="3877518"/>
+            <a:off x="29067380" y="4408962"/>
             <a:ext cx="847156" cy="337868"/>
           </a:xfrm>
           <a:prstGeom prst="rect">
@@ -8759,7 +8948,7 @@
         </p:nvSpPr>
         <p:spPr>
           <a:xfrm>
-            <a:off x="23353478" y="3877518"/>
+            <a:off x="23353478" y="4408962"/>
             <a:ext cx="847156" cy="337868"/>
           </a:xfrm>
           <a:prstGeom prst="rect">
@@ -8825,7 +9014,7 @@
         </p:nvSpPr>
         <p:spPr>
           <a:xfrm>
-            <a:off x="25219030" y="3877518"/>
+            <a:off x="25219030" y="4408962"/>
             <a:ext cx="909344" cy="337868"/>
           </a:xfrm>
           <a:prstGeom prst="rect">
@@ -8893,7 +9082,7 @@
         </p:nvCxnSpPr>
         <p:spPr>
           <a:xfrm flipV="1">
-            <a:off x="16824811" y="4046454"/>
+            <a:off x="16824811" y="4577898"/>
             <a:ext cx="307163" cy="1095763"/>
           </a:xfrm>
           <a:prstGeom prst="line">
@@ -8933,7 +9122,7 @@
         </p:nvCxnSpPr>
         <p:spPr>
           <a:xfrm flipV="1">
-            <a:off x="18419186" y="4046453"/>
+            <a:off x="18419186" y="4577897"/>
             <a:ext cx="113656" cy="2"/>
           </a:xfrm>
           <a:prstGeom prst="line">
@@ -8973,7 +9162,7 @@
         </p:nvCxnSpPr>
         <p:spPr>
           <a:xfrm>
-            <a:off x="20351230" y="4046452"/>
+            <a:off x="20351230" y="4577896"/>
             <a:ext cx="410688" cy="0"/>
           </a:xfrm>
           <a:prstGeom prst="line">
@@ -9013,7 +9202,7 @@
         </p:nvCxnSpPr>
         <p:spPr>
           <a:xfrm>
-            <a:off x="21131735" y="4046452"/>
+            <a:off x="21131735" y="4577896"/>
             <a:ext cx="350622" cy="0"/>
           </a:xfrm>
           <a:prstGeom prst="line">
@@ -9053,7 +9242,7 @@
         </p:nvCxnSpPr>
         <p:spPr>
           <a:xfrm>
-            <a:off x="22329513" y="4046452"/>
+            <a:off x="22329513" y="4577896"/>
             <a:ext cx="88918" cy="0"/>
           </a:xfrm>
           <a:prstGeom prst="line">
@@ -9093,7 +9282,7 @@
         </p:nvCxnSpPr>
         <p:spPr>
           <a:xfrm>
-            <a:off x="23265586" y="4046452"/>
+            <a:off x="23265586" y="4577896"/>
             <a:ext cx="87892" cy="0"/>
           </a:xfrm>
           <a:prstGeom prst="line">
@@ -9133,7 +9322,7 @@
         </p:nvCxnSpPr>
         <p:spPr>
           <a:xfrm>
-            <a:off x="24200634" y="4046452"/>
+            <a:off x="24200634" y="4577896"/>
             <a:ext cx="96884" cy="0"/>
           </a:xfrm>
           <a:prstGeom prst="line">
@@ -9173,7 +9362,7 @@
         </p:nvCxnSpPr>
         <p:spPr>
           <a:xfrm>
-            <a:off x="25144674" y="4046452"/>
+            <a:off x="25144674" y="4577896"/>
             <a:ext cx="74356" cy="0"/>
           </a:xfrm>
           <a:prstGeom prst="line">
@@ -9213,7 +9402,7 @@
         </p:nvCxnSpPr>
         <p:spPr>
           <a:xfrm>
-            <a:off x="26128375" y="4046452"/>
+            <a:off x="26128375" y="4577896"/>
             <a:ext cx="103610" cy="0"/>
           </a:xfrm>
           <a:prstGeom prst="line">
@@ -9253,7 +9442,7 @@
         </p:nvCxnSpPr>
         <p:spPr>
           <a:xfrm>
-            <a:off x="27079141" y="4046452"/>
+            <a:off x="27079141" y="4577896"/>
             <a:ext cx="82778" cy="0"/>
           </a:xfrm>
           <a:prstGeom prst="line">
@@ -9293,7 +9482,7 @@
         </p:nvCxnSpPr>
         <p:spPr>
           <a:xfrm>
-            <a:off x="28009074" y="4046452"/>
+            <a:off x="28009074" y="4577896"/>
             <a:ext cx="105172" cy="0"/>
           </a:xfrm>
           <a:prstGeom prst="line">
@@ -9333,7 +9522,7 @@
         </p:nvCxnSpPr>
         <p:spPr>
           <a:xfrm>
-            <a:off x="28961403" y="4046452"/>
+            <a:off x="28961403" y="4577896"/>
             <a:ext cx="105978" cy="0"/>
           </a:xfrm>
           <a:prstGeom prst="line">
@@ -9373,7 +9562,7 @@
         </p:nvCxnSpPr>
         <p:spPr>
           <a:xfrm>
-            <a:off x="29914537" y="4046452"/>
+            <a:off x="29914537" y="4577896"/>
             <a:ext cx="71206" cy="0"/>
           </a:xfrm>
           <a:prstGeom prst="line">
@@ -9413,7 +9602,7 @@
         </p:nvCxnSpPr>
         <p:spPr>
           <a:xfrm>
-            <a:off x="30832898" y="4046452"/>
+            <a:off x="30832898" y="4577896"/>
             <a:ext cx="339228" cy="0"/>
           </a:xfrm>
           <a:prstGeom prst="line">
@@ -9453,7 +9642,7 @@
         </p:nvCxnSpPr>
         <p:spPr>
           <a:xfrm>
-            <a:off x="31541942" y="4046452"/>
+            <a:off x="31541942" y="4577896"/>
             <a:ext cx="561028" cy="0"/>
           </a:xfrm>
           <a:prstGeom prst="line">
@@ -9493,7 +9682,7 @@
         </p:nvCxnSpPr>
         <p:spPr>
           <a:xfrm>
-            <a:off x="32472786" y="4046452"/>
+            <a:off x="32472786" y="4577896"/>
             <a:ext cx="606732" cy="0"/>
           </a:xfrm>
           <a:prstGeom prst="line">
@@ -9522,47 +9711,6 @@
           </a:fontRef>
         </p:style>
       </p:cxnSp>
-      <p:pic>
-        <p:nvPicPr>
-          <p:cNvPr id="1026" name="Picture 2" descr="http://hortonworks.com/wp-content/uploads/2016/02/asparagus-chart-hdp24.jpg"/>
-          <p:cNvPicPr>
-            <a:picLocks noChangeAspect="1" noChangeArrowheads="1"/>
-          </p:cNvPicPr>
-          <p:nvPr/>
-        </p:nvPicPr>
-        <p:blipFill>
-          <a:blip r:embed="rId4">
-            <a:extLst>
-              <a:ext uri="{28A0092B-C50C-407E-A947-70E740481C1C}">
-                <a14:useLocalDpi xmlns:a14="http://schemas.microsoft.com/office/drawing/2010/main" val="0"/>
-              </a:ext>
-            </a:extLst>
-          </a:blip>
-          <a:srcRect/>
-          <a:stretch>
-            <a:fillRect/>
-          </a:stretch>
-        </p:blipFill>
-        <p:spPr bwMode="auto">
-          <a:xfrm>
-            <a:off x="126143" y="2048208"/>
-            <a:ext cx="16865739" cy="6784848"/>
-          </a:xfrm>
-          <a:prstGeom prst="rect">
-            <a:avLst/>
-          </a:prstGeom>
-          <a:noFill/>
-          <a:extLst>
-            <a:ext uri="{909E8E84-426E-40DD-AFC4-6F175D3DCCD1}">
-              <a14:hiddenFill xmlns:a14="http://schemas.microsoft.com/office/drawing/2010/main">
-                <a:solidFill>
-                  <a:srgbClr val="FFFFFF"/>
-                </a:solidFill>
-              </a14:hiddenFill>
-            </a:ext>
-          </a:extLst>
-        </p:spPr>
-      </p:pic>
       <p:sp>
         <p:nvSpPr>
           <p:cNvPr id="181" name="Rectangle 180"/>
@@ -9571,7 +9719,7 @@
         </p:nvSpPr>
         <p:spPr>
           <a:xfrm>
-            <a:off x="17131974" y="2907300"/>
+            <a:off x="17131974" y="2803744"/>
             <a:ext cx="1287212" cy="675738"/>
           </a:xfrm>
           <a:prstGeom prst="rect">
@@ -9620,7 +9768,7 @@
                 <a:latin typeface="Arial" panose="020B0604020202020204" pitchFamily="34" charset="0"/>
                 <a:cs typeface="Arial" panose="020B0604020202020204" pitchFamily="34" charset="0"/>
               </a:rPr>
-              <a:t>2.0-Beta</a:t>
+              <a:t>2.2-Beta</a:t>
             </a:r>
             <a:endParaRPr lang="nl-NL" sz="1600" b="1" dirty="0">
               <a:solidFill>
@@ -9640,7 +9788,27 @@
                 <a:latin typeface="Arial" panose="020B0604020202020204" pitchFamily="34" charset="0"/>
                 <a:cs typeface="Arial" panose="020B0604020202020204" pitchFamily="34" charset="0"/>
               </a:rPr>
-              <a:t>Apr 2016</a:t>
+              <a:t>Sept</a:t>
+            </a:r>
+            <a:r>
+              <a:rPr lang="nl-NL" sz="700" b="1" dirty="0" smtClean="0">
+                <a:solidFill>
+                  <a:schemeClr val="bg1"/>
+                </a:solidFill>
+                <a:latin typeface="Arial" panose="020B0604020202020204" pitchFamily="34" charset="0"/>
+                <a:cs typeface="Arial" panose="020B0604020202020204" pitchFamily="34" charset="0"/>
+              </a:rPr>
+              <a:t> </a:t>
+            </a:r>
+            <a:r>
+              <a:rPr lang="nl-NL" sz="1600" b="1" dirty="0" smtClean="0">
+                <a:solidFill>
+                  <a:schemeClr val="bg1"/>
+                </a:solidFill>
+                <a:latin typeface="Arial" panose="020B0604020202020204" pitchFamily="34" charset="0"/>
+                <a:cs typeface="Arial" panose="020B0604020202020204" pitchFamily="34" charset="0"/>
+              </a:rPr>
+              <a:t>2016</a:t>
             </a:r>
             <a:endParaRPr lang="nl-NL" sz="1600" b="1" dirty="0">
               <a:solidFill>
@@ -9660,7 +9828,7 @@
         </p:nvSpPr>
         <p:spPr>
           <a:xfrm>
-            <a:off x="18532842" y="3076233"/>
+            <a:off x="18532842" y="2972677"/>
             <a:ext cx="1060792" cy="337868"/>
           </a:xfrm>
           <a:prstGeom prst="rect">
@@ -9702,7 +9870,7 @@
           <a:p>
             <a:pPr algn="ctr"/>
             <a:r>
-              <a:rPr lang="nl-NL" sz="1600" b="1" dirty="0" smtClean="0">
+              <a:rPr lang="nl-NL" sz="1600" dirty="0" smtClean="0">
                 <a:solidFill>
                   <a:schemeClr val="tx1"/>
                 </a:solidFill>
@@ -9711,7 +9879,7 @@
               </a:rPr>
               <a:t>5.34.36</a:t>
             </a:r>
-            <a:endParaRPr lang="nl-NL" sz="1600" b="1" dirty="0">
+            <a:endParaRPr lang="nl-NL" sz="1600" dirty="0">
               <a:solidFill>
                 <a:schemeClr val="tx1"/>
               </a:solidFill>
@@ -9729,7 +9897,7 @@
         </p:nvSpPr>
         <p:spPr>
           <a:xfrm>
-            <a:off x="19653774" y="3076233"/>
+            <a:off x="19653774" y="2972677"/>
             <a:ext cx="697456" cy="337868"/>
           </a:xfrm>
           <a:prstGeom prst="rect">
@@ -9798,7 +9966,7 @@
         </p:nvSpPr>
         <p:spPr>
           <a:xfrm>
-            <a:off x="21482356" y="3076233"/>
+            <a:off x="21482356" y="2972677"/>
             <a:ext cx="847156" cy="337868"/>
           </a:xfrm>
           <a:prstGeom prst="rect">
@@ -9840,7 +10008,7 @@
           <a:p>
             <a:pPr algn="ctr"/>
             <a:r>
-              <a:rPr lang="nl-NL" sz="1600" b="1" dirty="0" smtClean="0">
+              <a:rPr lang="nl-NL" sz="1600" dirty="0" smtClean="0">
                 <a:solidFill>
                   <a:schemeClr val="tx1"/>
                 </a:solidFill>
@@ -9849,7 +10017,7 @@
               </a:rPr>
               <a:t>5.4.0</a:t>
             </a:r>
-            <a:endParaRPr lang="nl-NL" sz="1600" b="1" dirty="0">
+            <a:endParaRPr lang="nl-NL" sz="1600" dirty="0">
               <a:solidFill>
                 <a:schemeClr val="tx1"/>
               </a:solidFill>
@@ -9867,7 +10035,7 @@
         </p:nvSpPr>
         <p:spPr>
           <a:xfrm>
-            <a:off x="20761918" y="3076233"/>
+            <a:off x="20761918" y="2972677"/>
             <a:ext cx="369816" cy="337868"/>
           </a:xfrm>
           <a:prstGeom prst="rect">
@@ -9932,7 +10100,7 @@
         </p:nvSpPr>
         <p:spPr>
           <a:xfrm>
-            <a:off x="33079518" y="3076233"/>
+            <a:off x="33079518" y="2972677"/>
             <a:ext cx="369816" cy="337868"/>
           </a:xfrm>
           <a:prstGeom prst="rect">
@@ -9997,7 +10165,7 @@
         </p:nvSpPr>
         <p:spPr>
           <a:xfrm>
-            <a:off x="32102970" y="3076233"/>
+            <a:off x="32102970" y="2972677"/>
             <a:ext cx="369816" cy="337868"/>
           </a:xfrm>
           <a:prstGeom prst="rect">
@@ -10062,7 +10230,7 @@
         </p:nvSpPr>
         <p:spPr>
           <a:xfrm>
-            <a:off x="29985742" y="3076233"/>
+            <a:off x="29985742" y="2972677"/>
             <a:ext cx="847156" cy="337868"/>
           </a:xfrm>
           <a:prstGeom prst="rect">
@@ -10104,15 +10272,22 @@
           <a:p>
             <a:pPr algn="ctr"/>
             <a:r>
-              <a:rPr lang="nl-NL" sz="1600" dirty="0">
+              <a:rPr lang="nl-NL" sz="1600" b="1" dirty="0" smtClean="0">
                 <a:solidFill>
                   <a:schemeClr val="tx1"/>
                 </a:solidFill>
                 <a:latin typeface="Arial" panose="020B0604020202020204" pitchFamily="34" charset="0"/>
                 <a:cs typeface="Arial" panose="020B0604020202020204" pitchFamily="34" charset="0"/>
               </a:rPr>
-              <a:t>7.1.1</a:t>
-            </a:r>
+              <a:t>10.1</a:t>
+            </a:r>
+            <a:endParaRPr lang="nl-NL" sz="1600" b="1" dirty="0">
+              <a:solidFill>
+                <a:schemeClr val="tx1"/>
+              </a:solidFill>
+              <a:latin typeface="Arial" panose="020B0604020202020204" pitchFamily="34" charset="0"/>
+              <a:cs typeface="Arial" panose="020B0604020202020204" pitchFamily="34" charset="0"/>
+            </a:endParaRPr>
           </a:p>
         </p:txBody>
       </p:sp>
@@ -10124,7 +10299,7 @@
         </p:nvSpPr>
         <p:spPr>
           <a:xfrm>
-            <a:off x="26231984" y="3076233"/>
+            <a:off x="26231984" y="2972677"/>
             <a:ext cx="847156" cy="337868"/>
           </a:xfrm>
           <a:prstGeom prst="rect">
@@ -10186,7 +10361,7 @@
         </p:nvSpPr>
         <p:spPr>
           <a:xfrm>
-            <a:off x="22418430" y="3076233"/>
+            <a:off x="22418430" y="2972677"/>
             <a:ext cx="847156" cy="337868"/>
           </a:xfrm>
           <a:prstGeom prst="rect">
@@ -10228,7 +10403,7 @@
           <a:p>
             <a:pPr algn="ctr"/>
             <a:r>
-              <a:rPr lang="nl-NL" sz="1600" b="1" dirty="0" smtClean="0">
+              <a:rPr lang="nl-NL" sz="1600" dirty="0" smtClean="0">
                 <a:solidFill>
                   <a:schemeClr val="tx1"/>
                 </a:solidFill>
@@ -10237,7 +10412,7 @@
               </a:rPr>
               <a:t>8.7.1</a:t>
             </a:r>
-            <a:endParaRPr lang="nl-NL" sz="1600" b="1" dirty="0">
+            <a:endParaRPr lang="nl-NL" sz="1600" dirty="0">
               <a:solidFill>
                 <a:schemeClr val="tx1"/>
               </a:solidFill>
@@ -10255,7 +10430,7 @@
         </p:nvSpPr>
         <p:spPr>
           <a:xfrm>
-            <a:off x="27161918" y="3076233"/>
+            <a:off x="27161918" y="2972677"/>
             <a:ext cx="847156" cy="337868"/>
           </a:xfrm>
           <a:prstGeom prst="rect">
@@ -10324,7 +10499,7 @@
         </p:nvSpPr>
         <p:spPr>
           <a:xfrm>
-            <a:off x="24297518" y="3076233"/>
+            <a:off x="24297518" y="2972677"/>
             <a:ext cx="847156" cy="337868"/>
           </a:xfrm>
           <a:prstGeom prst="rect">
@@ -10386,7 +10561,7 @@
         </p:nvSpPr>
         <p:spPr>
           <a:xfrm>
-            <a:off x="28114246" y="3076233"/>
+            <a:off x="28114246" y="2972677"/>
             <a:ext cx="847156" cy="337868"/>
           </a:xfrm>
           <a:prstGeom prst="rect">
@@ -10397,7 +10572,9 @@
           </a:solidFill>
           <a:ln w="12700">
             <a:solidFill>
-              <a:srgbClr val="B871FF"/>
+              <a:schemeClr val="bg1">
+                <a:lumMod val="50000"/>
+              </a:schemeClr>
             </a:solidFill>
           </a:ln>
         </p:spPr>
@@ -10430,7 +10607,9 @@
             <a:r>
               <a:rPr lang="nl-NL" sz="1600" dirty="0">
                 <a:solidFill>
-                  <a:schemeClr val="tx1"/>
+                  <a:schemeClr val="bg1">
+                    <a:lumMod val="50000"/>
+                  </a:schemeClr>
                 </a:solidFill>
                 <a:latin typeface="Arial" panose="020B0604020202020204" pitchFamily="34" charset="0"/>
                 <a:cs typeface="Arial" panose="020B0604020202020204" pitchFamily="34" charset="0"/>
@@ -10448,7 +10627,7 @@
         </p:nvSpPr>
         <p:spPr>
           <a:xfrm>
-            <a:off x="31172126" y="3076233"/>
+            <a:off x="31172126" y="2972677"/>
             <a:ext cx="369816" cy="337868"/>
           </a:xfrm>
           <a:prstGeom prst="rect">
@@ -10513,7 +10692,7 @@
         </p:nvSpPr>
         <p:spPr>
           <a:xfrm>
-            <a:off x="29067380" y="3076233"/>
+            <a:off x="29067380" y="2972677"/>
             <a:ext cx="847156" cy="337868"/>
           </a:xfrm>
           <a:prstGeom prst="rect">
@@ -10555,7 +10734,7 @@
           <a:p>
             <a:pPr algn="ctr"/>
             <a:r>
-              <a:rPr lang="nl-NL" sz="1600" b="1" dirty="0" smtClean="0">
+              <a:rPr lang="nl-NL" sz="1600" dirty="0" smtClean="0">
                 <a:solidFill>
                   <a:schemeClr val="tx1"/>
                 </a:solidFill>
@@ -10564,7 +10743,7 @@
               </a:rPr>
               <a:t>3.2</a:t>
             </a:r>
-            <a:endParaRPr lang="nl-NL" sz="1600" b="1" dirty="0">
+            <a:endParaRPr lang="nl-NL" sz="1600" dirty="0">
               <a:solidFill>
                 <a:schemeClr val="tx1"/>
               </a:solidFill>
@@ -10582,7 +10761,7 @@
         </p:nvSpPr>
         <p:spPr>
           <a:xfrm>
-            <a:off x="23353478" y="3076233"/>
+            <a:off x="23353478" y="2972677"/>
             <a:ext cx="847156" cy="337868"/>
           </a:xfrm>
           <a:prstGeom prst="rect">
@@ -10624,7 +10803,7 @@
           <a:p>
             <a:pPr algn="ctr"/>
             <a:r>
-              <a:rPr lang="nl-NL" sz="1600" b="1" dirty="0" smtClean="0">
+              <a:rPr lang="nl-NL" sz="1600" dirty="0" smtClean="0">
                 <a:solidFill>
                   <a:schemeClr val="tx1"/>
                 </a:solidFill>
@@ -10633,7 +10812,7 @@
               </a:rPr>
               <a:t>5.4</a:t>
             </a:r>
-            <a:endParaRPr lang="nl-NL" sz="1600" b="1" dirty="0">
+            <a:endParaRPr lang="nl-NL" sz="1600" dirty="0">
               <a:solidFill>
                 <a:schemeClr val="tx1"/>
               </a:solidFill>
@@ -10651,7 +10830,7 @@
         </p:nvSpPr>
         <p:spPr>
           <a:xfrm>
-            <a:off x="25219030" y="3076233"/>
+            <a:off x="25219030" y="2972677"/>
             <a:ext cx="909344" cy="337868"/>
           </a:xfrm>
           <a:prstGeom prst="rect">
@@ -10693,7 +10872,7 @@
           <a:p>
             <a:pPr algn="ctr"/>
             <a:r>
-              <a:rPr lang="nl-NL" sz="1600" b="1" dirty="0" smtClean="0">
+              <a:rPr lang="nl-NL" sz="1600" dirty="0" smtClean="0">
                 <a:solidFill>
                   <a:schemeClr val="tx1"/>
                 </a:solidFill>
@@ -10702,7 +10881,7 @@
               </a:rPr>
               <a:t>1.642</a:t>
             </a:r>
-            <a:endParaRPr lang="nl-NL" sz="1600" b="1" dirty="0">
+            <a:endParaRPr lang="nl-NL" sz="1600" dirty="0">
               <a:solidFill>
                 <a:schemeClr val="tx1"/>
               </a:solidFill>
@@ -10723,7 +10902,7 @@
         </p:nvCxnSpPr>
         <p:spPr>
           <a:xfrm flipV="1">
-            <a:off x="18419186" y="3245168"/>
+            <a:off x="18419186" y="3141612"/>
             <a:ext cx="113656" cy="2"/>
           </a:xfrm>
           <a:prstGeom prst="line">
@@ -10761,7 +10940,7 @@
         </p:nvCxnSpPr>
         <p:spPr>
           <a:xfrm>
-            <a:off x="20351230" y="3245167"/>
+            <a:off x="20351230" y="3141611"/>
             <a:ext cx="410688" cy="0"/>
           </a:xfrm>
           <a:prstGeom prst="line">
@@ -10799,7 +10978,7 @@
         </p:nvCxnSpPr>
         <p:spPr>
           <a:xfrm>
-            <a:off x="21131735" y="3245167"/>
+            <a:off x="21131735" y="3141611"/>
             <a:ext cx="350622" cy="0"/>
           </a:xfrm>
           <a:prstGeom prst="line">
@@ -10837,7 +11016,7 @@
         </p:nvCxnSpPr>
         <p:spPr>
           <a:xfrm>
-            <a:off x="22329513" y="3245167"/>
+            <a:off x="22329513" y="3141611"/>
             <a:ext cx="88918" cy="0"/>
           </a:xfrm>
           <a:prstGeom prst="line">
@@ -10875,7 +11054,7 @@
         </p:nvCxnSpPr>
         <p:spPr>
           <a:xfrm>
-            <a:off x="23265586" y="3245167"/>
+            <a:off x="23265586" y="3141611"/>
             <a:ext cx="87892" cy="0"/>
           </a:xfrm>
           <a:prstGeom prst="line">
@@ -10913,7 +11092,7 @@
         </p:nvCxnSpPr>
         <p:spPr>
           <a:xfrm>
-            <a:off x="24200634" y="3245167"/>
+            <a:off x="24200634" y="3141611"/>
             <a:ext cx="96884" cy="0"/>
           </a:xfrm>
           <a:prstGeom prst="line">
@@ -10951,7 +11130,7 @@
         </p:nvCxnSpPr>
         <p:spPr>
           <a:xfrm>
-            <a:off x="25144674" y="3245167"/>
+            <a:off x="25144674" y="3141611"/>
             <a:ext cx="74356" cy="0"/>
           </a:xfrm>
           <a:prstGeom prst="line">
@@ -10989,7 +11168,7 @@
         </p:nvCxnSpPr>
         <p:spPr>
           <a:xfrm>
-            <a:off x="26128375" y="3245167"/>
+            <a:off x="26128375" y="3141611"/>
             <a:ext cx="103610" cy="0"/>
           </a:xfrm>
           <a:prstGeom prst="line">
@@ -11027,7 +11206,7 @@
         </p:nvCxnSpPr>
         <p:spPr>
           <a:xfrm>
-            <a:off x="27079141" y="3245167"/>
+            <a:off x="27079141" y="3141611"/>
             <a:ext cx="82778" cy="0"/>
           </a:xfrm>
           <a:prstGeom prst="line">
@@ -11065,7 +11244,7 @@
         </p:nvCxnSpPr>
         <p:spPr>
           <a:xfrm>
-            <a:off x="28009074" y="3245167"/>
+            <a:off x="28009074" y="3141611"/>
             <a:ext cx="105172" cy="0"/>
           </a:xfrm>
           <a:prstGeom prst="line">
@@ -11103,7 +11282,7 @@
         </p:nvCxnSpPr>
         <p:spPr>
           <a:xfrm>
-            <a:off x="28961403" y="3245167"/>
+            <a:off x="28961403" y="3141611"/>
             <a:ext cx="105978" cy="0"/>
           </a:xfrm>
           <a:prstGeom prst="line">
@@ -11141,7 +11320,7 @@
         </p:nvCxnSpPr>
         <p:spPr>
           <a:xfrm>
-            <a:off x="29914537" y="3245167"/>
+            <a:off x="29914537" y="3141611"/>
             <a:ext cx="71206" cy="0"/>
           </a:xfrm>
           <a:prstGeom prst="line">
@@ -11179,7 +11358,7 @@
         </p:nvCxnSpPr>
         <p:spPr>
           <a:xfrm>
-            <a:off x="30832898" y="3245167"/>
+            <a:off x="30832898" y="3141611"/>
             <a:ext cx="339228" cy="0"/>
           </a:xfrm>
           <a:prstGeom prst="line">
@@ -11217,7 +11396,7 @@
         </p:nvCxnSpPr>
         <p:spPr>
           <a:xfrm>
-            <a:off x="31541942" y="3245167"/>
+            <a:off x="31541942" y="3141611"/>
             <a:ext cx="561028" cy="0"/>
           </a:xfrm>
           <a:prstGeom prst="line">
@@ -11255,7 +11434,7 @@
         </p:nvCxnSpPr>
         <p:spPr>
           <a:xfrm>
-            <a:off x="32472786" y="3245167"/>
+            <a:off x="32472786" y="3141611"/>
             <a:ext cx="606732" cy="0"/>
           </a:xfrm>
           <a:prstGeom prst="line">
@@ -11286,21 +11465,23 @@
         <p:nvCxnSpPr>
           <p:cNvPr id="214" name="Straight Connector 213"/>
           <p:cNvCxnSpPr>
-            <a:endCxn id="181" idx="1"/>
+            <a:endCxn id="228" idx="1"/>
           </p:cNvCxnSpPr>
           <p:nvPr/>
         </p:nvCxnSpPr>
         <p:spPr>
           <a:xfrm flipV="1">
-            <a:off x="16776700" y="3245169"/>
-            <a:ext cx="355274" cy="247331"/>
+            <a:off x="16789028" y="3852867"/>
+            <a:ext cx="350622" cy="311976"/>
           </a:xfrm>
           <a:prstGeom prst="line">
             <a:avLst/>
           </a:prstGeom>
-          <a:ln w="76200">
-            <a:solidFill>
-              <a:srgbClr val="B871FF"/>
+          <a:ln>
+            <a:solidFill>
+              <a:schemeClr val="bg1">
+                <a:lumMod val="50000"/>
+              </a:schemeClr>
             </a:solidFill>
           </a:ln>
         </p:spPr>
@@ -11330,7 +11511,7 @@
         </p:nvCxnSpPr>
         <p:spPr>
           <a:xfrm>
-            <a:off x="19593634" y="3245167"/>
+            <a:off x="19593634" y="3141611"/>
             <a:ext cx="60140" cy="0"/>
           </a:xfrm>
           <a:prstGeom prst="line">
@@ -11339,6 +11520,2768 @@
           <a:ln w="76200">
             <a:solidFill>
               <a:srgbClr val="B871FF"/>
+            </a:solidFill>
+          </a:ln>
+        </p:spPr>
+        <p:style>
+          <a:lnRef idx="1">
+            <a:schemeClr val="accent1"/>
+          </a:lnRef>
+          <a:fillRef idx="0">
+            <a:schemeClr val="accent1"/>
+          </a:fillRef>
+          <a:effectRef idx="0">
+            <a:schemeClr val="accent1"/>
+          </a:effectRef>
+          <a:fontRef idx="minor">
+            <a:schemeClr val="tx1"/>
+          </a:fontRef>
+        </p:style>
+      </p:cxnSp>
+      <p:sp>
+        <p:nvSpPr>
+          <p:cNvPr id="216" name="Rectangle 215"/>
+          <p:cNvSpPr/>
+          <p:nvPr/>
+        </p:nvSpPr>
+        <p:spPr>
+          <a:xfrm>
+            <a:off x="34833450" y="5166856"/>
+            <a:ext cx="369816" cy="337868"/>
+          </a:xfrm>
+          <a:prstGeom prst="rect">
+            <a:avLst/>
+          </a:prstGeom>
+          <a:solidFill>
+            <a:schemeClr val="bg1"/>
+          </a:solidFill>
+          <a:ln w="12700">
+            <a:solidFill>
+              <a:schemeClr val="bg1">
+                <a:lumMod val="50000"/>
+              </a:schemeClr>
+            </a:solidFill>
+          </a:ln>
+        </p:spPr>
+        <p:style>
+          <a:lnRef idx="2">
+            <a:schemeClr val="accent1">
+              <a:shade val="50000"/>
+            </a:schemeClr>
+          </a:lnRef>
+          <a:fillRef idx="1">
+            <a:schemeClr val="accent1"/>
+          </a:fillRef>
+          <a:effectRef idx="0">
+            <a:schemeClr val="accent1"/>
+          </a:effectRef>
+          <a:fontRef idx="minor">
+            <a:schemeClr val="lt1"/>
+          </a:fontRef>
+        </p:style>
+        <p:txBody>
+          <a:bodyPr rot="0" spcFirstLastPara="0" vertOverflow="overflow" horzOverflow="overflow" vert="horz" wrap="square" lIns="182880" tIns="91440" rIns="182880" bIns="91440" numCol="1" spcCol="0" rtlCol="0" fromWordArt="0" anchor="ctr" anchorCtr="0" forceAA="0" compatLnSpc="1">
+            <a:prstTxWarp prst="textNoShape">
+              <a:avLst/>
+            </a:prstTxWarp>
+            <a:noAutofit/>
+          </a:bodyPr>
+          <a:lstStyle/>
+          <a:p>
+            <a:pPr marL="342900" indent="-342900" algn="ctr">
+              <a:buFont typeface="Wingdings" panose="05000000000000000000" pitchFamily="2" charset="2"/>
+              <a:buChar char="ü"/>
+            </a:pPr>
+            <a:r>
+              <a:rPr lang="nl-NL" sz="4800" b="1" dirty="0">
+                <a:solidFill>
+                  <a:schemeClr val="bg1">
+                    <a:lumMod val="50000"/>
+                  </a:schemeClr>
+                </a:solidFill>
+                <a:latin typeface="Arial" panose="020B0604020202020204" pitchFamily="34" charset="0"/>
+                <a:cs typeface="Arial" panose="020B0604020202020204" pitchFamily="34" charset="0"/>
+              </a:rPr>
+              <a:t> </a:t>
+            </a:r>
+          </a:p>
+        </p:txBody>
+      </p:sp>
+      <p:sp>
+        <p:nvSpPr>
+          <p:cNvPr id="217" name="Rectangle 216"/>
+          <p:cNvSpPr/>
+          <p:nvPr/>
+        </p:nvSpPr>
+        <p:spPr>
+          <a:xfrm>
+            <a:off x="33996602" y="5166856"/>
+            <a:ext cx="369816" cy="337868"/>
+          </a:xfrm>
+          <a:prstGeom prst="rect">
+            <a:avLst/>
+          </a:prstGeom>
+          <a:solidFill>
+            <a:schemeClr val="bg1"/>
+          </a:solidFill>
+          <a:ln w="12700">
+            <a:solidFill>
+              <a:schemeClr val="bg1">
+                <a:lumMod val="50000"/>
+              </a:schemeClr>
+            </a:solidFill>
+          </a:ln>
+        </p:spPr>
+        <p:style>
+          <a:lnRef idx="2">
+            <a:schemeClr val="accent1">
+              <a:shade val="50000"/>
+            </a:schemeClr>
+          </a:lnRef>
+          <a:fillRef idx="1">
+            <a:schemeClr val="accent1"/>
+          </a:fillRef>
+          <a:effectRef idx="0">
+            <a:schemeClr val="accent1"/>
+          </a:effectRef>
+          <a:fontRef idx="minor">
+            <a:schemeClr val="lt1"/>
+          </a:fontRef>
+        </p:style>
+        <p:txBody>
+          <a:bodyPr rot="0" spcFirstLastPara="0" vertOverflow="overflow" horzOverflow="overflow" vert="horz" wrap="square" lIns="182880" tIns="91440" rIns="182880" bIns="91440" numCol="1" spcCol="0" rtlCol="0" fromWordArt="0" anchor="ctr" anchorCtr="0" forceAA="0" compatLnSpc="1">
+            <a:prstTxWarp prst="textNoShape">
+              <a:avLst/>
+            </a:prstTxWarp>
+            <a:noAutofit/>
+          </a:bodyPr>
+          <a:lstStyle/>
+          <a:p>
+            <a:pPr marL="342900" indent="-342900" algn="ctr">
+              <a:buFont typeface="Wingdings" panose="05000000000000000000" pitchFamily="2" charset="2"/>
+              <a:buChar char="ü"/>
+            </a:pPr>
+            <a:r>
+              <a:rPr lang="nl-NL" sz="4800" b="1" dirty="0">
+                <a:solidFill>
+                  <a:schemeClr val="bg1">
+                    <a:lumMod val="50000"/>
+                  </a:schemeClr>
+                </a:solidFill>
+                <a:latin typeface="Arial" panose="020B0604020202020204" pitchFamily="34" charset="0"/>
+                <a:cs typeface="Arial" panose="020B0604020202020204" pitchFamily="34" charset="0"/>
+              </a:rPr>
+              <a:t> </a:t>
+            </a:r>
+          </a:p>
+        </p:txBody>
+      </p:sp>
+      <p:cxnSp>
+        <p:nvCxnSpPr>
+          <p:cNvPr id="218" name="Straight Connector 217"/>
+          <p:cNvCxnSpPr>
+            <a:stCxn id="31" idx="3"/>
+            <a:endCxn id="217" idx="1"/>
+          </p:cNvCxnSpPr>
+          <p:nvPr/>
+        </p:nvCxnSpPr>
+        <p:spPr>
+          <a:xfrm>
+            <a:off x="33449334" y="5335790"/>
+            <a:ext cx="547268" cy="0"/>
+          </a:xfrm>
+          <a:prstGeom prst="line">
+            <a:avLst/>
+          </a:prstGeom>
+          <a:ln>
+            <a:solidFill>
+              <a:schemeClr val="bg1">
+                <a:lumMod val="50000"/>
+              </a:schemeClr>
+            </a:solidFill>
+          </a:ln>
+        </p:spPr>
+        <p:style>
+          <a:lnRef idx="1">
+            <a:schemeClr val="accent1"/>
+          </a:lnRef>
+          <a:fillRef idx="0">
+            <a:schemeClr val="accent1"/>
+          </a:fillRef>
+          <a:effectRef idx="0">
+            <a:schemeClr val="accent1"/>
+          </a:effectRef>
+          <a:fontRef idx="minor">
+            <a:schemeClr val="tx1"/>
+          </a:fontRef>
+        </p:style>
+      </p:cxnSp>
+      <p:cxnSp>
+        <p:nvCxnSpPr>
+          <p:cNvPr id="219" name="Straight Connector 218"/>
+          <p:cNvCxnSpPr>
+            <a:stCxn id="217" idx="3"/>
+            <a:endCxn id="216" idx="1"/>
+          </p:cNvCxnSpPr>
+          <p:nvPr/>
+        </p:nvCxnSpPr>
+        <p:spPr>
+          <a:xfrm>
+            <a:off x="34366418" y="5335790"/>
+            <a:ext cx="467032" cy="0"/>
+          </a:xfrm>
+          <a:prstGeom prst="line">
+            <a:avLst/>
+          </a:prstGeom>
+          <a:ln>
+            <a:solidFill>
+              <a:schemeClr val="bg1">
+                <a:lumMod val="50000"/>
+              </a:schemeClr>
+            </a:solidFill>
+          </a:ln>
+        </p:spPr>
+        <p:style>
+          <a:lnRef idx="1">
+            <a:schemeClr val="accent1"/>
+          </a:lnRef>
+          <a:fillRef idx="0">
+            <a:schemeClr val="accent1"/>
+          </a:fillRef>
+          <a:effectRef idx="0">
+            <a:schemeClr val="accent1"/>
+          </a:effectRef>
+          <a:fontRef idx="minor">
+            <a:schemeClr val="tx1"/>
+          </a:fontRef>
+        </p:style>
+      </p:cxnSp>
+      <p:sp>
+        <p:nvSpPr>
+          <p:cNvPr id="220" name="Rectangle 219"/>
+          <p:cNvSpPr/>
+          <p:nvPr/>
+        </p:nvSpPr>
+        <p:spPr>
+          <a:xfrm>
+            <a:off x="34833450" y="5736068"/>
+            <a:ext cx="369816" cy="337868"/>
+          </a:xfrm>
+          <a:prstGeom prst="rect">
+            <a:avLst/>
+          </a:prstGeom>
+          <a:solidFill>
+            <a:schemeClr val="bg1"/>
+          </a:solidFill>
+          <a:ln w="12700">
+            <a:solidFill>
+              <a:schemeClr val="bg1">
+                <a:lumMod val="50000"/>
+              </a:schemeClr>
+            </a:solidFill>
+          </a:ln>
+        </p:spPr>
+        <p:style>
+          <a:lnRef idx="2">
+            <a:schemeClr val="accent1">
+              <a:shade val="50000"/>
+            </a:schemeClr>
+          </a:lnRef>
+          <a:fillRef idx="1">
+            <a:schemeClr val="accent1"/>
+          </a:fillRef>
+          <a:effectRef idx="0">
+            <a:schemeClr val="accent1"/>
+          </a:effectRef>
+          <a:fontRef idx="minor">
+            <a:schemeClr val="lt1"/>
+          </a:fontRef>
+        </p:style>
+        <p:txBody>
+          <a:bodyPr rot="0" spcFirstLastPara="0" vertOverflow="overflow" horzOverflow="overflow" vert="horz" wrap="square" lIns="182880" tIns="91440" rIns="182880" bIns="91440" numCol="1" spcCol="0" rtlCol="0" fromWordArt="0" anchor="ctr" anchorCtr="0" forceAA="0" compatLnSpc="1">
+            <a:prstTxWarp prst="textNoShape">
+              <a:avLst/>
+            </a:prstTxWarp>
+            <a:noAutofit/>
+          </a:bodyPr>
+          <a:lstStyle/>
+          <a:p>
+            <a:pPr marL="342900" indent="-342900" algn="ctr">
+              <a:buFont typeface="Wingdings" panose="05000000000000000000" pitchFamily="2" charset="2"/>
+              <a:buChar char="ü"/>
+            </a:pPr>
+            <a:r>
+              <a:rPr lang="nl-NL" sz="4800" dirty="0">
+                <a:solidFill>
+                  <a:schemeClr val="bg1">
+                    <a:lumMod val="50000"/>
+                  </a:schemeClr>
+                </a:solidFill>
+                <a:latin typeface="Arial" panose="020B0604020202020204" pitchFamily="34" charset="0"/>
+                <a:cs typeface="Arial" panose="020B0604020202020204" pitchFamily="34" charset="0"/>
+              </a:rPr>
+              <a:t> </a:t>
+            </a:r>
+          </a:p>
+        </p:txBody>
+      </p:sp>
+      <p:sp>
+        <p:nvSpPr>
+          <p:cNvPr id="221" name="Rectangle 220"/>
+          <p:cNvSpPr/>
+          <p:nvPr/>
+        </p:nvSpPr>
+        <p:spPr>
+          <a:xfrm>
+            <a:off x="33996602" y="5736068"/>
+            <a:ext cx="369816" cy="337868"/>
+          </a:xfrm>
+          <a:prstGeom prst="rect">
+            <a:avLst/>
+          </a:prstGeom>
+          <a:solidFill>
+            <a:schemeClr val="bg1"/>
+          </a:solidFill>
+          <a:ln w="12700">
+            <a:solidFill>
+              <a:schemeClr val="bg1">
+                <a:lumMod val="50000"/>
+              </a:schemeClr>
+            </a:solidFill>
+          </a:ln>
+        </p:spPr>
+        <p:style>
+          <a:lnRef idx="2">
+            <a:schemeClr val="accent1">
+              <a:shade val="50000"/>
+            </a:schemeClr>
+          </a:lnRef>
+          <a:fillRef idx="1">
+            <a:schemeClr val="accent1"/>
+          </a:fillRef>
+          <a:effectRef idx="0">
+            <a:schemeClr val="accent1"/>
+          </a:effectRef>
+          <a:fontRef idx="minor">
+            <a:schemeClr val="lt1"/>
+          </a:fontRef>
+        </p:style>
+        <p:txBody>
+          <a:bodyPr rot="0" spcFirstLastPara="0" vertOverflow="overflow" horzOverflow="overflow" vert="horz" wrap="square" lIns="182880" tIns="91440" rIns="182880" bIns="91440" numCol="1" spcCol="0" rtlCol="0" fromWordArt="0" anchor="ctr" anchorCtr="0" forceAA="0" compatLnSpc="1">
+            <a:prstTxWarp prst="textNoShape">
+              <a:avLst/>
+            </a:prstTxWarp>
+            <a:noAutofit/>
+          </a:bodyPr>
+          <a:lstStyle/>
+          <a:p>
+            <a:pPr marL="342900" indent="-342900" algn="ctr">
+              <a:buFont typeface="Wingdings" panose="05000000000000000000" pitchFamily="2" charset="2"/>
+              <a:buChar char="ü"/>
+            </a:pPr>
+            <a:r>
+              <a:rPr lang="nl-NL" sz="4800" dirty="0">
+                <a:solidFill>
+                  <a:schemeClr val="bg1">
+                    <a:lumMod val="50000"/>
+                  </a:schemeClr>
+                </a:solidFill>
+                <a:latin typeface="Arial" panose="020B0604020202020204" pitchFamily="34" charset="0"/>
+                <a:cs typeface="Arial" panose="020B0604020202020204" pitchFamily="34" charset="0"/>
+              </a:rPr>
+              <a:t> </a:t>
+            </a:r>
+          </a:p>
+        </p:txBody>
+      </p:sp>
+      <p:cxnSp>
+        <p:nvCxnSpPr>
+          <p:cNvPr id="222" name="Straight Connector 221"/>
+          <p:cNvCxnSpPr>
+            <a:stCxn id="152" idx="3"/>
+            <a:endCxn id="221" idx="1"/>
+          </p:cNvCxnSpPr>
+          <p:nvPr/>
+        </p:nvCxnSpPr>
+        <p:spPr>
+          <a:xfrm>
+            <a:off x="33449334" y="5905002"/>
+            <a:ext cx="547268" cy="0"/>
+          </a:xfrm>
+          <a:prstGeom prst="line">
+            <a:avLst/>
+          </a:prstGeom>
+          <a:ln>
+            <a:solidFill>
+              <a:schemeClr val="bg1">
+                <a:lumMod val="50000"/>
+              </a:schemeClr>
+            </a:solidFill>
+          </a:ln>
+        </p:spPr>
+        <p:style>
+          <a:lnRef idx="1">
+            <a:schemeClr val="accent1"/>
+          </a:lnRef>
+          <a:fillRef idx="0">
+            <a:schemeClr val="accent1"/>
+          </a:fillRef>
+          <a:effectRef idx="0">
+            <a:schemeClr val="accent1"/>
+          </a:effectRef>
+          <a:fontRef idx="minor">
+            <a:schemeClr val="tx1"/>
+          </a:fontRef>
+        </p:style>
+      </p:cxnSp>
+      <p:cxnSp>
+        <p:nvCxnSpPr>
+          <p:cNvPr id="223" name="Straight Connector 222"/>
+          <p:cNvCxnSpPr>
+            <a:stCxn id="221" idx="3"/>
+            <a:endCxn id="220" idx="1"/>
+          </p:cNvCxnSpPr>
+          <p:nvPr/>
+        </p:nvCxnSpPr>
+        <p:spPr>
+          <a:xfrm>
+            <a:off x="34366418" y="5905002"/>
+            <a:ext cx="467032" cy="0"/>
+          </a:xfrm>
+          <a:prstGeom prst="line">
+            <a:avLst/>
+          </a:prstGeom>
+          <a:ln>
+            <a:solidFill>
+              <a:schemeClr val="bg1">
+                <a:lumMod val="50000"/>
+              </a:schemeClr>
+            </a:solidFill>
+          </a:ln>
+        </p:spPr>
+        <p:style>
+          <a:lnRef idx="1">
+            <a:schemeClr val="accent1"/>
+          </a:lnRef>
+          <a:fillRef idx="0">
+            <a:schemeClr val="accent1"/>
+          </a:fillRef>
+          <a:effectRef idx="0">
+            <a:schemeClr val="accent1"/>
+          </a:effectRef>
+          <a:fontRef idx="minor">
+            <a:schemeClr val="tx1"/>
+          </a:fontRef>
+        </p:style>
+      </p:cxnSp>
+      <p:sp>
+        <p:nvSpPr>
+          <p:cNvPr id="224" name="Rectangle 223"/>
+          <p:cNvSpPr/>
+          <p:nvPr/>
+        </p:nvSpPr>
+        <p:spPr>
+          <a:xfrm>
+            <a:off x="34833450" y="4408962"/>
+            <a:ext cx="369816" cy="337868"/>
+          </a:xfrm>
+          <a:prstGeom prst="rect">
+            <a:avLst/>
+          </a:prstGeom>
+          <a:solidFill>
+            <a:schemeClr val="bg1"/>
+          </a:solidFill>
+          <a:ln w="12700">
+            <a:solidFill>
+              <a:schemeClr val="bg1">
+                <a:lumMod val="50000"/>
+              </a:schemeClr>
+            </a:solidFill>
+          </a:ln>
+        </p:spPr>
+        <p:style>
+          <a:lnRef idx="2">
+            <a:schemeClr val="accent1">
+              <a:shade val="50000"/>
+            </a:schemeClr>
+          </a:lnRef>
+          <a:fillRef idx="1">
+            <a:schemeClr val="accent1"/>
+          </a:fillRef>
+          <a:effectRef idx="0">
+            <a:schemeClr val="accent1"/>
+          </a:effectRef>
+          <a:fontRef idx="minor">
+            <a:schemeClr val="lt1"/>
+          </a:fontRef>
+        </p:style>
+        <p:txBody>
+          <a:bodyPr rot="0" spcFirstLastPara="0" vertOverflow="overflow" horzOverflow="overflow" vert="horz" wrap="square" lIns="182880" tIns="91440" rIns="182880" bIns="91440" numCol="1" spcCol="0" rtlCol="0" fromWordArt="0" anchor="ctr" anchorCtr="0" forceAA="0" compatLnSpc="1">
+            <a:prstTxWarp prst="textNoShape">
+              <a:avLst/>
+            </a:prstTxWarp>
+            <a:noAutofit/>
+          </a:bodyPr>
+          <a:lstStyle/>
+          <a:p>
+            <a:pPr marL="342900" indent="-342900" algn="ctr">
+              <a:buFont typeface="Wingdings" panose="05000000000000000000" pitchFamily="2" charset="2"/>
+              <a:buChar char="ü"/>
+            </a:pPr>
+            <a:r>
+              <a:rPr lang="nl-NL" sz="4800" b="1" dirty="0">
+                <a:solidFill>
+                  <a:schemeClr val="bg1">
+                    <a:lumMod val="50000"/>
+                  </a:schemeClr>
+                </a:solidFill>
+                <a:latin typeface="Arial" panose="020B0604020202020204" pitchFamily="34" charset="0"/>
+                <a:cs typeface="Arial" panose="020B0604020202020204" pitchFamily="34" charset="0"/>
+              </a:rPr>
+              <a:t> </a:t>
+            </a:r>
+          </a:p>
+        </p:txBody>
+      </p:sp>
+      <p:sp>
+        <p:nvSpPr>
+          <p:cNvPr id="225" name="Rectangle 224"/>
+          <p:cNvSpPr/>
+          <p:nvPr/>
+        </p:nvSpPr>
+        <p:spPr>
+          <a:xfrm>
+            <a:off x="33996602" y="4408962"/>
+            <a:ext cx="369816" cy="337868"/>
+          </a:xfrm>
+          <a:prstGeom prst="rect">
+            <a:avLst/>
+          </a:prstGeom>
+          <a:solidFill>
+            <a:schemeClr val="bg1"/>
+          </a:solidFill>
+          <a:ln w="12700">
+            <a:solidFill>
+              <a:schemeClr val="bg1">
+                <a:lumMod val="50000"/>
+              </a:schemeClr>
+            </a:solidFill>
+          </a:ln>
+        </p:spPr>
+        <p:style>
+          <a:lnRef idx="2">
+            <a:schemeClr val="accent1">
+              <a:shade val="50000"/>
+            </a:schemeClr>
+          </a:lnRef>
+          <a:fillRef idx="1">
+            <a:schemeClr val="accent1"/>
+          </a:fillRef>
+          <a:effectRef idx="0">
+            <a:schemeClr val="accent1"/>
+          </a:effectRef>
+          <a:fontRef idx="minor">
+            <a:schemeClr val="lt1"/>
+          </a:fontRef>
+        </p:style>
+        <p:txBody>
+          <a:bodyPr rot="0" spcFirstLastPara="0" vertOverflow="overflow" horzOverflow="overflow" vert="horz" wrap="square" lIns="182880" tIns="91440" rIns="182880" bIns="91440" numCol="1" spcCol="0" rtlCol="0" fromWordArt="0" anchor="ctr" anchorCtr="0" forceAA="0" compatLnSpc="1">
+            <a:prstTxWarp prst="textNoShape">
+              <a:avLst/>
+            </a:prstTxWarp>
+            <a:noAutofit/>
+          </a:bodyPr>
+          <a:lstStyle/>
+          <a:p>
+            <a:pPr marL="342900" indent="-342900" algn="ctr">
+              <a:buFont typeface="Wingdings" panose="05000000000000000000" pitchFamily="2" charset="2"/>
+              <a:buChar char="ü"/>
+            </a:pPr>
+            <a:r>
+              <a:rPr lang="nl-NL" sz="4800" b="1" dirty="0">
+                <a:solidFill>
+                  <a:schemeClr val="bg1">
+                    <a:lumMod val="50000"/>
+                  </a:schemeClr>
+                </a:solidFill>
+                <a:latin typeface="Arial" panose="020B0604020202020204" pitchFamily="34" charset="0"/>
+                <a:cs typeface="Arial" panose="020B0604020202020204" pitchFamily="34" charset="0"/>
+              </a:rPr>
+              <a:t> </a:t>
+            </a:r>
+          </a:p>
+        </p:txBody>
+      </p:sp>
+      <p:cxnSp>
+        <p:nvCxnSpPr>
+          <p:cNvPr id="226" name="Straight Connector 225"/>
+          <p:cNvCxnSpPr>
+            <a:stCxn id="121" idx="3"/>
+            <a:endCxn id="225" idx="1"/>
+          </p:cNvCxnSpPr>
+          <p:nvPr/>
+        </p:nvCxnSpPr>
+        <p:spPr>
+          <a:xfrm>
+            <a:off x="33449334" y="4577896"/>
+            <a:ext cx="547268" cy="0"/>
+          </a:xfrm>
+          <a:prstGeom prst="line">
+            <a:avLst/>
+          </a:prstGeom>
+          <a:ln>
+            <a:solidFill>
+              <a:schemeClr val="bg1">
+                <a:lumMod val="50000"/>
+              </a:schemeClr>
+            </a:solidFill>
+          </a:ln>
+        </p:spPr>
+        <p:style>
+          <a:lnRef idx="1">
+            <a:schemeClr val="accent1"/>
+          </a:lnRef>
+          <a:fillRef idx="0">
+            <a:schemeClr val="accent1"/>
+          </a:fillRef>
+          <a:effectRef idx="0">
+            <a:schemeClr val="accent1"/>
+          </a:effectRef>
+          <a:fontRef idx="minor">
+            <a:schemeClr val="tx1"/>
+          </a:fontRef>
+        </p:style>
+      </p:cxnSp>
+      <p:cxnSp>
+        <p:nvCxnSpPr>
+          <p:cNvPr id="227" name="Straight Connector 226"/>
+          <p:cNvCxnSpPr>
+            <a:stCxn id="225" idx="3"/>
+            <a:endCxn id="224" idx="1"/>
+          </p:cNvCxnSpPr>
+          <p:nvPr/>
+        </p:nvCxnSpPr>
+        <p:spPr>
+          <a:xfrm>
+            <a:off x="34366418" y="4577896"/>
+            <a:ext cx="467032" cy="0"/>
+          </a:xfrm>
+          <a:prstGeom prst="line">
+            <a:avLst/>
+          </a:prstGeom>
+          <a:ln>
+            <a:solidFill>
+              <a:schemeClr val="bg1">
+                <a:lumMod val="50000"/>
+              </a:schemeClr>
+            </a:solidFill>
+          </a:ln>
+        </p:spPr>
+        <p:style>
+          <a:lnRef idx="1">
+            <a:schemeClr val="accent1"/>
+          </a:lnRef>
+          <a:fillRef idx="0">
+            <a:schemeClr val="accent1"/>
+          </a:fillRef>
+          <a:effectRef idx="0">
+            <a:schemeClr val="accent1"/>
+          </a:effectRef>
+          <a:fontRef idx="minor">
+            <a:schemeClr val="tx1"/>
+          </a:fontRef>
+        </p:style>
+      </p:cxnSp>
+      <p:sp>
+        <p:nvSpPr>
+          <p:cNvPr id="228" name="Rectangle 227"/>
+          <p:cNvSpPr/>
+          <p:nvPr/>
+        </p:nvSpPr>
+        <p:spPr>
+          <a:xfrm>
+            <a:off x="17139650" y="3514998"/>
+            <a:ext cx="1287212" cy="675738"/>
+          </a:xfrm>
+          <a:prstGeom prst="rect">
+            <a:avLst/>
+          </a:prstGeom>
+          <a:solidFill>
+            <a:schemeClr val="bg1"/>
+          </a:solidFill>
+          <a:ln w="12700">
+            <a:solidFill>
+              <a:schemeClr val="bg2">
+                <a:lumMod val="50000"/>
+              </a:schemeClr>
+            </a:solidFill>
+          </a:ln>
+        </p:spPr>
+        <p:style>
+          <a:lnRef idx="2">
+            <a:schemeClr val="accent1">
+              <a:shade val="50000"/>
+            </a:schemeClr>
+          </a:lnRef>
+          <a:fillRef idx="1">
+            <a:schemeClr val="accent1"/>
+          </a:fillRef>
+          <a:effectRef idx="0">
+            <a:schemeClr val="accent1"/>
+          </a:effectRef>
+          <a:fontRef idx="minor">
+            <a:schemeClr val="lt1"/>
+          </a:fontRef>
+        </p:style>
+        <p:txBody>
+          <a:bodyPr rot="0" spcFirstLastPara="0" vertOverflow="overflow" horzOverflow="overflow" vert="horz" wrap="square" lIns="182880" tIns="91440" rIns="182880" bIns="91440" numCol="1" spcCol="0" rtlCol="0" fromWordArt="0" anchor="ctr" anchorCtr="0" forceAA="0" compatLnSpc="1">
+            <a:prstTxWarp prst="textNoShape">
+              <a:avLst/>
+            </a:prstTxWarp>
+            <a:noAutofit/>
+          </a:bodyPr>
+          <a:lstStyle/>
+          <a:p>
+            <a:pPr algn="ctr"/>
+            <a:r>
+              <a:rPr lang="nl-NL" sz="1600" dirty="0">
+                <a:solidFill>
+                  <a:schemeClr val="tx1"/>
+                </a:solidFill>
+                <a:latin typeface="Arial" panose="020B0604020202020204" pitchFamily="34" charset="0"/>
+                <a:cs typeface="Arial" panose="020B0604020202020204" pitchFamily="34" charset="0"/>
+              </a:rPr>
+              <a:t>2.0-Beta</a:t>
+            </a:r>
+            <a:endParaRPr lang="nl-NL" sz="1600" dirty="0">
+              <a:solidFill>
+                <a:schemeClr val="tx1"/>
+              </a:solidFill>
+              <a:latin typeface="Arial" panose="020B0604020202020204" pitchFamily="34" charset="0"/>
+              <a:cs typeface="Arial" panose="020B0604020202020204" pitchFamily="34" charset="0"/>
+            </a:endParaRPr>
+          </a:p>
+          <a:p>
+            <a:pPr algn="ctr"/>
+            <a:r>
+              <a:rPr lang="nl-NL" sz="1600" dirty="0">
+                <a:solidFill>
+                  <a:schemeClr val="tx1"/>
+                </a:solidFill>
+                <a:latin typeface="Arial" panose="020B0604020202020204" pitchFamily="34" charset="0"/>
+                <a:cs typeface="Arial" panose="020B0604020202020204" pitchFamily="34" charset="0"/>
+              </a:rPr>
+              <a:t>Apr 2016</a:t>
+            </a:r>
+            <a:endParaRPr lang="nl-NL" sz="1600" dirty="0">
+              <a:solidFill>
+                <a:schemeClr val="tx1"/>
+              </a:solidFill>
+              <a:latin typeface="Arial" panose="020B0604020202020204" pitchFamily="34" charset="0"/>
+              <a:cs typeface="Arial" panose="020B0604020202020204" pitchFamily="34" charset="0"/>
+            </a:endParaRPr>
+          </a:p>
+        </p:txBody>
+      </p:sp>
+      <p:sp>
+        <p:nvSpPr>
+          <p:cNvPr id="229" name="Rectangle 228"/>
+          <p:cNvSpPr/>
+          <p:nvPr/>
+        </p:nvSpPr>
+        <p:spPr>
+          <a:xfrm>
+            <a:off x="18540518" y="3683931"/>
+            <a:ext cx="1060792" cy="337868"/>
+          </a:xfrm>
+          <a:prstGeom prst="rect">
+            <a:avLst/>
+          </a:prstGeom>
+          <a:solidFill>
+            <a:schemeClr val="bg1"/>
+          </a:solidFill>
+          <a:ln w="12700">
+            <a:solidFill>
+              <a:schemeClr val="bg1">
+                <a:lumMod val="50000"/>
+              </a:schemeClr>
+            </a:solidFill>
+          </a:ln>
+        </p:spPr>
+        <p:style>
+          <a:lnRef idx="2">
+            <a:schemeClr val="accent1">
+              <a:shade val="50000"/>
+            </a:schemeClr>
+          </a:lnRef>
+          <a:fillRef idx="1">
+            <a:schemeClr val="accent1"/>
+          </a:fillRef>
+          <a:effectRef idx="0">
+            <a:schemeClr val="accent1"/>
+          </a:effectRef>
+          <a:fontRef idx="minor">
+            <a:schemeClr val="lt1"/>
+          </a:fontRef>
+        </p:style>
+        <p:txBody>
+          <a:bodyPr rot="0" spcFirstLastPara="0" vertOverflow="overflow" horzOverflow="overflow" vert="horz" wrap="square" lIns="182880" tIns="91440" rIns="182880" bIns="91440" numCol="1" spcCol="0" rtlCol="0" fromWordArt="0" anchor="ctr" anchorCtr="0" forceAA="0" compatLnSpc="1">
+            <a:prstTxWarp prst="textNoShape">
+              <a:avLst/>
+            </a:prstTxWarp>
+            <a:noAutofit/>
+          </a:bodyPr>
+          <a:lstStyle/>
+          <a:p>
+            <a:pPr algn="ctr"/>
+            <a:r>
+              <a:rPr lang="nl-NL" sz="1600" b="1" dirty="0">
+                <a:solidFill>
+                  <a:schemeClr val="bg1">
+                    <a:lumMod val="50000"/>
+                  </a:schemeClr>
+                </a:solidFill>
+                <a:latin typeface="Arial" panose="020B0604020202020204" pitchFamily="34" charset="0"/>
+                <a:cs typeface="Arial" panose="020B0604020202020204" pitchFamily="34" charset="0"/>
+              </a:rPr>
+              <a:t>5.34.36</a:t>
+            </a:r>
+            <a:endParaRPr lang="nl-NL" sz="1600" b="1" dirty="0">
+              <a:solidFill>
+                <a:schemeClr val="bg1">
+                  <a:lumMod val="50000"/>
+                </a:schemeClr>
+              </a:solidFill>
+              <a:latin typeface="Arial" panose="020B0604020202020204" pitchFamily="34" charset="0"/>
+              <a:cs typeface="Arial" panose="020B0604020202020204" pitchFamily="34" charset="0"/>
+            </a:endParaRPr>
+          </a:p>
+        </p:txBody>
+      </p:sp>
+      <p:sp>
+        <p:nvSpPr>
+          <p:cNvPr id="230" name="Rectangle 229"/>
+          <p:cNvSpPr/>
+          <p:nvPr/>
+        </p:nvSpPr>
+        <p:spPr>
+          <a:xfrm>
+            <a:off x="19661450" y="3683931"/>
+            <a:ext cx="697456" cy="337868"/>
+          </a:xfrm>
+          <a:prstGeom prst="rect">
+            <a:avLst/>
+          </a:prstGeom>
+          <a:solidFill>
+            <a:schemeClr val="bg1"/>
+          </a:solidFill>
+          <a:ln w="12700">
+            <a:solidFill>
+              <a:schemeClr val="bg1">
+                <a:lumMod val="50000"/>
+              </a:schemeClr>
+            </a:solidFill>
+          </a:ln>
+        </p:spPr>
+        <p:style>
+          <a:lnRef idx="2">
+            <a:schemeClr val="accent1">
+              <a:shade val="50000"/>
+            </a:schemeClr>
+          </a:lnRef>
+          <a:fillRef idx="1">
+            <a:schemeClr val="accent1"/>
+          </a:fillRef>
+          <a:effectRef idx="0">
+            <a:schemeClr val="accent1"/>
+          </a:effectRef>
+          <a:fontRef idx="minor">
+            <a:schemeClr val="lt1"/>
+          </a:fontRef>
+        </p:style>
+        <p:txBody>
+          <a:bodyPr rot="0" spcFirstLastPara="0" vertOverflow="overflow" horzOverflow="overflow" vert="horz" wrap="square" lIns="182880" tIns="91440" rIns="182880" bIns="91440" numCol="1" spcCol="0" rtlCol="0" fromWordArt="0" anchor="ctr" anchorCtr="0" forceAA="0" compatLnSpc="1">
+            <a:prstTxWarp prst="textNoShape">
+              <a:avLst/>
+            </a:prstTxWarp>
+            <a:noAutofit/>
+          </a:bodyPr>
+          <a:lstStyle/>
+          <a:p>
+            <a:pPr algn="ctr"/>
+            <a:r>
+              <a:rPr lang="nl-NL" sz="1600" dirty="0">
+                <a:solidFill>
+                  <a:schemeClr val="bg1">
+                    <a:lumMod val="50000"/>
+                  </a:schemeClr>
+                </a:solidFill>
+                <a:latin typeface="Arial" panose="020B0604020202020204" pitchFamily="34" charset="0"/>
+                <a:cs typeface="Arial" panose="020B0604020202020204" pitchFamily="34" charset="0"/>
+              </a:rPr>
+              <a:t>2.4</a:t>
+            </a:r>
+            <a:endParaRPr lang="nl-NL" sz="1600" dirty="0">
+              <a:solidFill>
+                <a:schemeClr val="bg1">
+                  <a:lumMod val="50000"/>
+                </a:schemeClr>
+              </a:solidFill>
+              <a:latin typeface="Arial" panose="020B0604020202020204" pitchFamily="34" charset="0"/>
+              <a:cs typeface="Arial" panose="020B0604020202020204" pitchFamily="34" charset="0"/>
+            </a:endParaRPr>
+          </a:p>
+        </p:txBody>
+      </p:sp>
+      <p:sp>
+        <p:nvSpPr>
+          <p:cNvPr id="231" name="Rectangle 230"/>
+          <p:cNvSpPr/>
+          <p:nvPr/>
+        </p:nvSpPr>
+        <p:spPr>
+          <a:xfrm>
+            <a:off x="21490032" y="3683931"/>
+            <a:ext cx="847156" cy="337868"/>
+          </a:xfrm>
+          <a:prstGeom prst="rect">
+            <a:avLst/>
+          </a:prstGeom>
+          <a:solidFill>
+            <a:schemeClr val="bg1"/>
+          </a:solidFill>
+          <a:ln w="12700">
+            <a:solidFill>
+              <a:schemeClr val="bg1">
+                <a:lumMod val="50000"/>
+              </a:schemeClr>
+            </a:solidFill>
+          </a:ln>
+        </p:spPr>
+        <p:style>
+          <a:lnRef idx="2">
+            <a:schemeClr val="accent1">
+              <a:shade val="50000"/>
+            </a:schemeClr>
+          </a:lnRef>
+          <a:fillRef idx="1">
+            <a:schemeClr val="accent1"/>
+          </a:fillRef>
+          <a:effectRef idx="0">
+            <a:schemeClr val="accent1"/>
+          </a:effectRef>
+          <a:fontRef idx="minor">
+            <a:schemeClr val="lt1"/>
+          </a:fontRef>
+        </p:style>
+        <p:txBody>
+          <a:bodyPr rot="0" spcFirstLastPara="0" vertOverflow="overflow" horzOverflow="overflow" vert="horz" wrap="square" lIns="182880" tIns="91440" rIns="182880" bIns="91440" numCol="1" spcCol="0" rtlCol="0" fromWordArt="0" anchor="ctr" anchorCtr="0" forceAA="0" compatLnSpc="1">
+            <a:prstTxWarp prst="textNoShape">
+              <a:avLst/>
+            </a:prstTxWarp>
+            <a:noAutofit/>
+          </a:bodyPr>
+          <a:lstStyle/>
+          <a:p>
+            <a:pPr algn="ctr"/>
+            <a:r>
+              <a:rPr lang="nl-NL" sz="1600" b="1" dirty="0">
+                <a:solidFill>
+                  <a:schemeClr val="bg1">
+                    <a:lumMod val="50000"/>
+                  </a:schemeClr>
+                </a:solidFill>
+                <a:latin typeface="Arial" panose="020B0604020202020204" pitchFamily="34" charset="0"/>
+                <a:cs typeface="Arial" panose="020B0604020202020204" pitchFamily="34" charset="0"/>
+              </a:rPr>
+              <a:t>5.4.0</a:t>
+            </a:r>
+            <a:endParaRPr lang="nl-NL" sz="1600" b="1" dirty="0">
+              <a:solidFill>
+                <a:schemeClr val="bg1">
+                  <a:lumMod val="50000"/>
+                </a:schemeClr>
+              </a:solidFill>
+              <a:latin typeface="Arial" panose="020B0604020202020204" pitchFamily="34" charset="0"/>
+              <a:cs typeface="Arial" panose="020B0604020202020204" pitchFamily="34" charset="0"/>
+            </a:endParaRPr>
+          </a:p>
+        </p:txBody>
+      </p:sp>
+      <p:sp>
+        <p:nvSpPr>
+          <p:cNvPr id="232" name="Rectangle 231"/>
+          <p:cNvSpPr/>
+          <p:nvPr/>
+        </p:nvSpPr>
+        <p:spPr>
+          <a:xfrm>
+            <a:off x="20769594" y="3683931"/>
+            <a:ext cx="369816" cy="337868"/>
+          </a:xfrm>
+          <a:prstGeom prst="rect">
+            <a:avLst/>
+          </a:prstGeom>
+          <a:solidFill>
+            <a:schemeClr val="bg1"/>
+          </a:solidFill>
+          <a:ln w="12700">
+            <a:solidFill>
+              <a:srgbClr val="B871FF"/>
+            </a:solidFill>
+          </a:ln>
+        </p:spPr>
+        <p:style>
+          <a:lnRef idx="2">
+            <a:schemeClr val="accent1">
+              <a:shade val="50000"/>
+            </a:schemeClr>
+          </a:lnRef>
+          <a:fillRef idx="1">
+            <a:schemeClr val="accent1"/>
+          </a:fillRef>
+          <a:effectRef idx="0">
+            <a:schemeClr val="accent1"/>
+          </a:effectRef>
+          <a:fontRef idx="minor">
+            <a:schemeClr val="lt1"/>
+          </a:fontRef>
+        </p:style>
+        <p:txBody>
+          <a:bodyPr rot="0" spcFirstLastPara="0" vertOverflow="overflow" horzOverflow="overflow" vert="horz" wrap="square" lIns="182880" tIns="91440" rIns="182880" bIns="91440" numCol="1" spcCol="0" rtlCol="0" fromWordArt="0" anchor="ctr" anchorCtr="0" forceAA="0" compatLnSpc="1">
+            <a:prstTxWarp prst="textNoShape">
+              <a:avLst/>
+            </a:prstTxWarp>
+            <a:noAutofit/>
+          </a:bodyPr>
+          <a:lstStyle/>
+          <a:p>
+            <a:pPr marL="342900" indent="-342900" algn="ctr">
+              <a:buFont typeface="Wingdings" panose="05000000000000000000" pitchFamily="2" charset="2"/>
+              <a:buChar char="ü"/>
+            </a:pPr>
+            <a:r>
+              <a:rPr lang="nl-NL" sz="4800" b="1" dirty="0">
+                <a:solidFill>
+                  <a:srgbClr val="7030A0"/>
+                </a:solidFill>
+                <a:latin typeface="Arial" panose="020B0604020202020204" pitchFamily="34" charset="0"/>
+                <a:cs typeface="Arial" panose="020B0604020202020204" pitchFamily="34" charset="0"/>
+              </a:rPr>
+              <a:t> </a:t>
+            </a:r>
+          </a:p>
+        </p:txBody>
+      </p:sp>
+      <p:sp>
+        <p:nvSpPr>
+          <p:cNvPr id="235" name="Rectangle 234"/>
+          <p:cNvSpPr/>
+          <p:nvPr/>
+        </p:nvSpPr>
+        <p:spPr>
+          <a:xfrm>
+            <a:off x="29993418" y="3683931"/>
+            <a:ext cx="847156" cy="337868"/>
+          </a:xfrm>
+          <a:prstGeom prst="rect">
+            <a:avLst/>
+          </a:prstGeom>
+          <a:solidFill>
+            <a:schemeClr val="bg1"/>
+          </a:solidFill>
+          <a:ln w="12700">
+            <a:solidFill>
+              <a:schemeClr val="bg1">
+                <a:lumMod val="50000"/>
+              </a:schemeClr>
+            </a:solidFill>
+          </a:ln>
+        </p:spPr>
+        <p:style>
+          <a:lnRef idx="2">
+            <a:schemeClr val="accent1">
+              <a:shade val="50000"/>
+            </a:schemeClr>
+          </a:lnRef>
+          <a:fillRef idx="1">
+            <a:schemeClr val="accent1"/>
+          </a:fillRef>
+          <a:effectRef idx="0">
+            <a:schemeClr val="accent1"/>
+          </a:effectRef>
+          <a:fontRef idx="minor">
+            <a:schemeClr val="lt1"/>
+          </a:fontRef>
+        </p:style>
+        <p:txBody>
+          <a:bodyPr rot="0" spcFirstLastPara="0" vertOverflow="overflow" horzOverflow="overflow" vert="horz" wrap="square" lIns="182880" tIns="91440" rIns="182880" bIns="91440" numCol="1" spcCol="0" rtlCol="0" fromWordArt="0" anchor="ctr" anchorCtr="0" forceAA="0" compatLnSpc="1">
+            <a:prstTxWarp prst="textNoShape">
+              <a:avLst/>
+            </a:prstTxWarp>
+            <a:noAutofit/>
+          </a:bodyPr>
+          <a:lstStyle/>
+          <a:p>
+            <a:pPr algn="ctr"/>
+            <a:r>
+              <a:rPr lang="nl-NL" sz="1600" dirty="0">
+                <a:solidFill>
+                  <a:schemeClr val="bg1">
+                    <a:lumMod val="50000"/>
+                  </a:schemeClr>
+                </a:solidFill>
+                <a:latin typeface="Arial" panose="020B0604020202020204" pitchFamily="34" charset="0"/>
+                <a:cs typeface="Arial" panose="020B0604020202020204" pitchFamily="34" charset="0"/>
+              </a:rPr>
+              <a:t>7.1.1</a:t>
+            </a:r>
+          </a:p>
+        </p:txBody>
+      </p:sp>
+      <p:sp>
+        <p:nvSpPr>
+          <p:cNvPr id="236" name="Rectangle 235"/>
+          <p:cNvSpPr/>
+          <p:nvPr/>
+        </p:nvSpPr>
+        <p:spPr>
+          <a:xfrm>
+            <a:off x="26239660" y="3683931"/>
+            <a:ext cx="847156" cy="337868"/>
+          </a:xfrm>
+          <a:prstGeom prst="rect">
+            <a:avLst/>
+          </a:prstGeom>
+          <a:solidFill>
+            <a:schemeClr val="bg1"/>
+          </a:solidFill>
+          <a:ln w="12700">
+            <a:solidFill>
+              <a:schemeClr val="bg1">
+                <a:lumMod val="50000"/>
+              </a:schemeClr>
+            </a:solidFill>
+          </a:ln>
+        </p:spPr>
+        <p:style>
+          <a:lnRef idx="2">
+            <a:schemeClr val="accent1">
+              <a:shade val="50000"/>
+            </a:schemeClr>
+          </a:lnRef>
+          <a:fillRef idx="1">
+            <a:schemeClr val="accent1"/>
+          </a:fillRef>
+          <a:effectRef idx="0">
+            <a:schemeClr val="accent1"/>
+          </a:effectRef>
+          <a:fontRef idx="minor">
+            <a:schemeClr val="lt1"/>
+          </a:fontRef>
+        </p:style>
+        <p:txBody>
+          <a:bodyPr rot="0" spcFirstLastPara="0" vertOverflow="overflow" horzOverflow="overflow" vert="horz" wrap="square" lIns="182880" tIns="91440" rIns="182880" bIns="91440" numCol="1" spcCol="0" rtlCol="0" fromWordArt="0" anchor="ctr" anchorCtr="0" forceAA="0" compatLnSpc="1">
+            <a:prstTxWarp prst="textNoShape">
+              <a:avLst/>
+            </a:prstTxWarp>
+            <a:noAutofit/>
+          </a:bodyPr>
+          <a:lstStyle/>
+          <a:p>
+            <a:pPr algn="ctr"/>
+            <a:r>
+              <a:rPr lang="nl-NL" sz="1600" dirty="0">
+                <a:solidFill>
+                  <a:schemeClr val="bg1">
+                    <a:lumMod val="50000"/>
+                  </a:schemeClr>
+                </a:solidFill>
+                <a:latin typeface="Arial" panose="020B0604020202020204" pitchFamily="34" charset="0"/>
+                <a:cs typeface="Arial" panose="020B0604020202020204" pitchFamily="34" charset="0"/>
+              </a:rPr>
+              <a:t>6.0.0</a:t>
+            </a:r>
+          </a:p>
+        </p:txBody>
+      </p:sp>
+      <p:sp>
+        <p:nvSpPr>
+          <p:cNvPr id="237" name="Rectangle 236"/>
+          <p:cNvSpPr/>
+          <p:nvPr/>
+        </p:nvSpPr>
+        <p:spPr>
+          <a:xfrm>
+            <a:off x="22426106" y="3683931"/>
+            <a:ext cx="847156" cy="337868"/>
+          </a:xfrm>
+          <a:prstGeom prst="rect">
+            <a:avLst/>
+          </a:prstGeom>
+          <a:solidFill>
+            <a:schemeClr val="bg1"/>
+          </a:solidFill>
+          <a:ln w="12700">
+            <a:solidFill>
+              <a:schemeClr val="bg1">
+                <a:lumMod val="50000"/>
+              </a:schemeClr>
+            </a:solidFill>
+          </a:ln>
+        </p:spPr>
+        <p:style>
+          <a:lnRef idx="2">
+            <a:schemeClr val="accent1">
+              <a:shade val="50000"/>
+            </a:schemeClr>
+          </a:lnRef>
+          <a:fillRef idx="1">
+            <a:schemeClr val="accent1"/>
+          </a:fillRef>
+          <a:effectRef idx="0">
+            <a:schemeClr val="accent1"/>
+          </a:effectRef>
+          <a:fontRef idx="minor">
+            <a:schemeClr val="lt1"/>
+          </a:fontRef>
+        </p:style>
+        <p:txBody>
+          <a:bodyPr rot="0" spcFirstLastPara="0" vertOverflow="overflow" horzOverflow="overflow" vert="horz" wrap="square" lIns="182880" tIns="91440" rIns="182880" bIns="91440" numCol="1" spcCol="0" rtlCol="0" fromWordArt="0" anchor="ctr" anchorCtr="0" forceAA="0" compatLnSpc="1">
+            <a:prstTxWarp prst="textNoShape">
+              <a:avLst/>
+            </a:prstTxWarp>
+            <a:noAutofit/>
+          </a:bodyPr>
+          <a:lstStyle/>
+          <a:p>
+            <a:pPr algn="ctr"/>
+            <a:r>
+              <a:rPr lang="nl-NL" sz="1600" b="1" dirty="0">
+                <a:solidFill>
+                  <a:schemeClr val="bg1">
+                    <a:lumMod val="50000"/>
+                  </a:schemeClr>
+                </a:solidFill>
+                <a:latin typeface="Arial" panose="020B0604020202020204" pitchFamily="34" charset="0"/>
+                <a:cs typeface="Arial" panose="020B0604020202020204" pitchFamily="34" charset="0"/>
+              </a:rPr>
+              <a:t>8.7.1</a:t>
+            </a:r>
+            <a:endParaRPr lang="nl-NL" sz="1600" b="1" dirty="0">
+              <a:solidFill>
+                <a:schemeClr val="bg1">
+                  <a:lumMod val="50000"/>
+                </a:schemeClr>
+              </a:solidFill>
+              <a:latin typeface="Arial" panose="020B0604020202020204" pitchFamily="34" charset="0"/>
+              <a:cs typeface="Arial" panose="020B0604020202020204" pitchFamily="34" charset="0"/>
+            </a:endParaRPr>
+          </a:p>
+        </p:txBody>
+      </p:sp>
+      <p:sp>
+        <p:nvSpPr>
+          <p:cNvPr id="238" name="Rectangle 237"/>
+          <p:cNvSpPr/>
+          <p:nvPr/>
+        </p:nvSpPr>
+        <p:spPr>
+          <a:xfrm>
+            <a:off x="27169594" y="3683931"/>
+            <a:ext cx="847156" cy="337868"/>
+          </a:xfrm>
+          <a:prstGeom prst="rect">
+            <a:avLst/>
+          </a:prstGeom>
+          <a:solidFill>
+            <a:schemeClr val="bg1"/>
+          </a:solidFill>
+          <a:ln w="12700">
+            <a:solidFill>
+              <a:schemeClr val="bg1">
+                <a:lumMod val="50000"/>
+              </a:schemeClr>
+            </a:solidFill>
+          </a:ln>
+        </p:spPr>
+        <p:style>
+          <a:lnRef idx="2">
+            <a:schemeClr val="accent1">
+              <a:shade val="50000"/>
+            </a:schemeClr>
+          </a:lnRef>
+          <a:fillRef idx="1">
+            <a:schemeClr val="accent1"/>
+          </a:fillRef>
+          <a:effectRef idx="0">
+            <a:schemeClr val="accent1"/>
+          </a:effectRef>
+          <a:fontRef idx="minor">
+            <a:schemeClr val="lt1"/>
+          </a:fontRef>
+        </p:style>
+        <p:txBody>
+          <a:bodyPr rot="0" spcFirstLastPara="0" vertOverflow="overflow" horzOverflow="overflow" vert="horz" wrap="square" lIns="182880" tIns="91440" rIns="182880" bIns="91440" numCol="1" spcCol="0" rtlCol="0" fromWordArt="0" anchor="ctr" anchorCtr="0" forceAA="0" compatLnSpc="1">
+            <a:prstTxWarp prst="textNoShape">
+              <a:avLst/>
+            </a:prstTxWarp>
+            <a:noAutofit/>
+          </a:bodyPr>
+          <a:lstStyle/>
+          <a:p>
+            <a:pPr algn="ctr"/>
+            <a:r>
+              <a:rPr lang="nl-NL" sz="1600" dirty="0">
+                <a:solidFill>
+                  <a:schemeClr val="bg1">
+                    <a:lumMod val="50000"/>
+                  </a:schemeClr>
+                </a:solidFill>
+                <a:latin typeface="Arial" panose="020B0604020202020204" pitchFamily="34" charset="0"/>
+                <a:cs typeface="Arial" panose="020B0604020202020204" pitchFamily="34" charset="0"/>
+              </a:rPr>
+              <a:t>10.0</a:t>
+            </a:r>
+            <a:endParaRPr lang="nl-NL" sz="1600" dirty="0">
+              <a:solidFill>
+                <a:schemeClr val="bg1">
+                  <a:lumMod val="50000"/>
+                </a:schemeClr>
+              </a:solidFill>
+              <a:latin typeface="Arial" panose="020B0604020202020204" pitchFamily="34" charset="0"/>
+              <a:cs typeface="Arial" panose="020B0604020202020204" pitchFamily="34" charset="0"/>
+            </a:endParaRPr>
+          </a:p>
+        </p:txBody>
+      </p:sp>
+      <p:sp>
+        <p:nvSpPr>
+          <p:cNvPr id="239" name="Rectangle 238"/>
+          <p:cNvSpPr/>
+          <p:nvPr/>
+        </p:nvSpPr>
+        <p:spPr>
+          <a:xfrm>
+            <a:off x="24305194" y="3683931"/>
+            <a:ext cx="847156" cy="337868"/>
+          </a:xfrm>
+          <a:prstGeom prst="rect">
+            <a:avLst/>
+          </a:prstGeom>
+          <a:solidFill>
+            <a:schemeClr val="bg1"/>
+          </a:solidFill>
+          <a:ln w="12700">
+            <a:solidFill>
+              <a:schemeClr val="bg1">
+                <a:lumMod val="50000"/>
+              </a:schemeClr>
+            </a:solidFill>
+          </a:ln>
+        </p:spPr>
+        <p:style>
+          <a:lnRef idx="2">
+            <a:schemeClr val="accent1">
+              <a:shade val="50000"/>
+            </a:schemeClr>
+          </a:lnRef>
+          <a:fillRef idx="1">
+            <a:schemeClr val="accent1"/>
+          </a:fillRef>
+          <a:effectRef idx="0">
+            <a:schemeClr val="accent1"/>
+          </a:effectRef>
+          <a:fontRef idx="minor">
+            <a:schemeClr val="lt1"/>
+          </a:fontRef>
+        </p:style>
+        <p:txBody>
+          <a:bodyPr rot="0" spcFirstLastPara="0" vertOverflow="overflow" horzOverflow="overflow" vert="horz" wrap="square" lIns="182880" tIns="91440" rIns="182880" bIns="91440" numCol="1" spcCol="0" rtlCol="0" fromWordArt="0" anchor="ctr" anchorCtr="0" forceAA="0" compatLnSpc="1">
+            <a:prstTxWarp prst="textNoShape">
+              <a:avLst/>
+            </a:prstTxWarp>
+            <a:noAutofit/>
+          </a:bodyPr>
+          <a:lstStyle/>
+          <a:p>
+            <a:pPr algn="ctr"/>
+            <a:r>
+              <a:rPr lang="nl-NL" sz="1600" dirty="0">
+                <a:solidFill>
+                  <a:schemeClr val="bg1">
+                    <a:lumMod val="50000"/>
+                  </a:schemeClr>
+                </a:solidFill>
+                <a:latin typeface="Arial" panose="020B0604020202020204" pitchFamily="34" charset="0"/>
+                <a:cs typeface="Arial" panose="020B0604020202020204" pitchFamily="34" charset="0"/>
+              </a:rPr>
+              <a:t>2.2.0</a:t>
+            </a:r>
+          </a:p>
+        </p:txBody>
+      </p:sp>
+      <p:sp>
+        <p:nvSpPr>
+          <p:cNvPr id="240" name="Rectangle 239"/>
+          <p:cNvSpPr/>
+          <p:nvPr/>
+        </p:nvSpPr>
+        <p:spPr>
+          <a:xfrm>
+            <a:off x="28121922" y="3683931"/>
+            <a:ext cx="847156" cy="337868"/>
+          </a:xfrm>
+          <a:prstGeom prst="rect">
+            <a:avLst/>
+          </a:prstGeom>
+          <a:solidFill>
+            <a:schemeClr val="bg1"/>
+          </a:solidFill>
+          <a:ln w="12700">
+            <a:solidFill>
+              <a:schemeClr val="bg1">
+                <a:lumMod val="50000"/>
+              </a:schemeClr>
+            </a:solidFill>
+          </a:ln>
+        </p:spPr>
+        <p:style>
+          <a:lnRef idx="2">
+            <a:schemeClr val="accent1">
+              <a:shade val="50000"/>
+            </a:schemeClr>
+          </a:lnRef>
+          <a:fillRef idx="1">
+            <a:schemeClr val="accent1"/>
+          </a:fillRef>
+          <a:effectRef idx="0">
+            <a:schemeClr val="accent1"/>
+          </a:effectRef>
+          <a:fontRef idx="minor">
+            <a:schemeClr val="lt1"/>
+          </a:fontRef>
+        </p:style>
+        <p:txBody>
+          <a:bodyPr rot="0" spcFirstLastPara="0" vertOverflow="overflow" horzOverflow="overflow" vert="horz" wrap="square" lIns="182880" tIns="91440" rIns="182880" bIns="91440" numCol="1" spcCol="0" rtlCol="0" fromWordArt="0" anchor="ctr" anchorCtr="0" forceAA="0" compatLnSpc="1">
+            <a:prstTxWarp prst="textNoShape">
+              <a:avLst/>
+            </a:prstTxWarp>
+            <a:noAutofit/>
+          </a:bodyPr>
+          <a:lstStyle/>
+          <a:p>
+            <a:pPr algn="ctr"/>
+            <a:r>
+              <a:rPr lang="nl-NL" sz="1600" dirty="0">
+                <a:solidFill>
+                  <a:schemeClr val="bg1">
+                    <a:lumMod val="50000"/>
+                  </a:schemeClr>
+                </a:solidFill>
+                <a:latin typeface="Arial" panose="020B0604020202020204" pitchFamily="34" charset="0"/>
+                <a:cs typeface="Arial" panose="020B0604020202020204" pitchFamily="34" charset="0"/>
+              </a:rPr>
+              <a:t>3.7.1</a:t>
+            </a:r>
+          </a:p>
+        </p:txBody>
+      </p:sp>
+      <p:sp>
+        <p:nvSpPr>
+          <p:cNvPr id="242" name="Rectangle 241"/>
+          <p:cNvSpPr/>
+          <p:nvPr/>
+        </p:nvSpPr>
+        <p:spPr>
+          <a:xfrm>
+            <a:off x="29075056" y="3683931"/>
+            <a:ext cx="847156" cy="337868"/>
+          </a:xfrm>
+          <a:prstGeom prst="rect">
+            <a:avLst/>
+          </a:prstGeom>
+          <a:solidFill>
+            <a:schemeClr val="bg1"/>
+          </a:solidFill>
+          <a:ln w="12700">
+            <a:solidFill>
+              <a:schemeClr val="bg1">
+                <a:lumMod val="50000"/>
+              </a:schemeClr>
+            </a:solidFill>
+          </a:ln>
+        </p:spPr>
+        <p:style>
+          <a:lnRef idx="2">
+            <a:schemeClr val="accent1">
+              <a:shade val="50000"/>
+            </a:schemeClr>
+          </a:lnRef>
+          <a:fillRef idx="1">
+            <a:schemeClr val="accent1"/>
+          </a:fillRef>
+          <a:effectRef idx="0">
+            <a:schemeClr val="accent1"/>
+          </a:effectRef>
+          <a:fontRef idx="minor">
+            <a:schemeClr val="lt1"/>
+          </a:fontRef>
+        </p:style>
+        <p:txBody>
+          <a:bodyPr rot="0" spcFirstLastPara="0" vertOverflow="overflow" horzOverflow="overflow" vert="horz" wrap="square" lIns="182880" tIns="91440" rIns="182880" bIns="91440" numCol="1" spcCol="0" rtlCol="0" fromWordArt="0" anchor="ctr" anchorCtr="0" forceAA="0" compatLnSpc="1">
+            <a:prstTxWarp prst="textNoShape">
+              <a:avLst/>
+            </a:prstTxWarp>
+            <a:noAutofit/>
+          </a:bodyPr>
+          <a:lstStyle/>
+          <a:p>
+            <a:pPr algn="ctr"/>
+            <a:r>
+              <a:rPr lang="nl-NL" sz="1600" b="1" dirty="0">
+                <a:solidFill>
+                  <a:schemeClr val="bg1">
+                    <a:lumMod val="50000"/>
+                  </a:schemeClr>
+                </a:solidFill>
+                <a:latin typeface="Arial" panose="020B0604020202020204" pitchFamily="34" charset="0"/>
+                <a:cs typeface="Arial" panose="020B0604020202020204" pitchFamily="34" charset="0"/>
+              </a:rPr>
+              <a:t>3.2</a:t>
+            </a:r>
+            <a:endParaRPr lang="nl-NL" sz="1600" b="1" dirty="0">
+              <a:solidFill>
+                <a:schemeClr val="bg1">
+                  <a:lumMod val="50000"/>
+                </a:schemeClr>
+              </a:solidFill>
+              <a:latin typeface="Arial" panose="020B0604020202020204" pitchFamily="34" charset="0"/>
+              <a:cs typeface="Arial" panose="020B0604020202020204" pitchFamily="34" charset="0"/>
+            </a:endParaRPr>
+          </a:p>
+        </p:txBody>
+      </p:sp>
+      <p:sp>
+        <p:nvSpPr>
+          <p:cNvPr id="243" name="Rectangle 242"/>
+          <p:cNvSpPr/>
+          <p:nvPr/>
+        </p:nvSpPr>
+        <p:spPr>
+          <a:xfrm>
+            <a:off x="23361154" y="3683931"/>
+            <a:ext cx="847156" cy="337868"/>
+          </a:xfrm>
+          <a:prstGeom prst="rect">
+            <a:avLst/>
+          </a:prstGeom>
+          <a:solidFill>
+            <a:schemeClr val="bg1"/>
+          </a:solidFill>
+          <a:ln w="12700">
+            <a:solidFill>
+              <a:schemeClr val="bg1">
+                <a:lumMod val="50000"/>
+              </a:schemeClr>
+            </a:solidFill>
+          </a:ln>
+        </p:spPr>
+        <p:style>
+          <a:lnRef idx="2">
+            <a:schemeClr val="accent1">
+              <a:shade val="50000"/>
+            </a:schemeClr>
+          </a:lnRef>
+          <a:fillRef idx="1">
+            <a:schemeClr val="accent1"/>
+          </a:fillRef>
+          <a:effectRef idx="0">
+            <a:schemeClr val="accent1"/>
+          </a:effectRef>
+          <a:fontRef idx="minor">
+            <a:schemeClr val="lt1"/>
+          </a:fontRef>
+        </p:style>
+        <p:txBody>
+          <a:bodyPr rot="0" spcFirstLastPara="0" vertOverflow="overflow" horzOverflow="overflow" vert="horz" wrap="square" lIns="182880" tIns="91440" rIns="182880" bIns="91440" numCol="1" spcCol="0" rtlCol="0" fromWordArt="0" anchor="ctr" anchorCtr="0" forceAA="0" compatLnSpc="1">
+            <a:prstTxWarp prst="textNoShape">
+              <a:avLst/>
+            </a:prstTxWarp>
+            <a:noAutofit/>
+          </a:bodyPr>
+          <a:lstStyle/>
+          <a:p>
+            <a:pPr algn="ctr"/>
+            <a:r>
+              <a:rPr lang="nl-NL" sz="1600" b="1" dirty="0">
+                <a:solidFill>
+                  <a:schemeClr val="bg1">
+                    <a:lumMod val="50000"/>
+                  </a:schemeClr>
+                </a:solidFill>
+                <a:latin typeface="Arial" panose="020B0604020202020204" pitchFamily="34" charset="0"/>
+                <a:cs typeface="Arial" panose="020B0604020202020204" pitchFamily="34" charset="0"/>
+              </a:rPr>
+              <a:t>5.4</a:t>
+            </a:r>
+            <a:endParaRPr lang="nl-NL" sz="1600" b="1" dirty="0">
+              <a:solidFill>
+                <a:schemeClr val="bg1">
+                  <a:lumMod val="50000"/>
+                </a:schemeClr>
+              </a:solidFill>
+              <a:latin typeface="Arial" panose="020B0604020202020204" pitchFamily="34" charset="0"/>
+              <a:cs typeface="Arial" panose="020B0604020202020204" pitchFamily="34" charset="0"/>
+            </a:endParaRPr>
+          </a:p>
+        </p:txBody>
+      </p:sp>
+      <p:sp>
+        <p:nvSpPr>
+          <p:cNvPr id="244" name="Rectangle 243"/>
+          <p:cNvSpPr/>
+          <p:nvPr/>
+        </p:nvSpPr>
+        <p:spPr>
+          <a:xfrm>
+            <a:off x="25226706" y="3683931"/>
+            <a:ext cx="909344" cy="337868"/>
+          </a:xfrm>
+          <a:prstGeom prst="rect">
+            <a:avLst/>
+          </a:prstGeom>
+          <a:solidFill>
+            <a:schemeClr val="bg1"/>
+          </a:solidFill>
+          <a:ln w="12700">
+            <a:solidFill>
+              <a:schemeClr val="bg1">
+                <a:lumMod val="50000"/>
+              </a:schemeClr>
+            </a:solidFill>
+          </a:ln>
+        </p:spPr>
+        <p:style>
+          <a:lnRef idx="2">
+            <a:schemeClr val="accent1">
+              <a:shade val="50000"/>
+            </a:schemeClr>
+          </a:lnRef>
+          <a:fillRef idx="1">
+            <a:schemeClr val="accent1"/>
+          </a:fillRef>
+          <a:effectRef idx="0">
+            <a:schemeClr val="accent1"/>
+          </a:effectRef>
+          <a:fontRef idx="minor">
+            <a:schemeClr val="lt1"/>
+          </a:fontRef>
+        </p:style>
+        <p:txBody>
+          <a:bodyPr rot="0" spcFirstLastPara="0" vertOverflow="overflow" horzOverflow="overflow" vert="horz" wrap="square" lIns="182880" tIns="91440" rIns="182880" bIns="91440" numCol="1" spcCol="0" rtlCol="0" fromWordArt="0" anchor="ctr" anchorCtr="0" forceAA="0" compatLnSpc="1">
+            <a:prstTxWarp prst="textNoShape">
+              <a:avLst/>
+            </a:prstTxWarp>
+            <a:noAutofit/>
+          </a:bodyPr>
+          <a:lstStyle/>
+          <a:p>
+            <a:pPr algn="ctr"/>
+            <a:r>
+              <a:rPr lang="nl-NL" sz="1600" b="1" dirty="0">
+                <a:solidFill>
+                  <a:schemeClr val="bg1">
+                    <a:lumMod val="50000"/>
+                  </a:schemeClr>
+                </a:solidFill>
+                <a:latin typeface="Arial" panose="020B0604020202020204" pitchFamily="34" charset="0"/>
+                <a:cs typeface="Arial" panose="020B0604020202020204" pitchFamily="34" charset="0"/>
+              </a:rPr>
+              <a:t>1.642</a:t>
+            </a:r>
+            <a:endParaRPr lang="nl-NL" sz="1600" b="1" dirty="0">
+              <a:solidFill>
+                <a:schemeClr val="bg1">
+                  <a:lumMod val="50000"/>
+                </a:schemeClr>
+              </a:solidFill>
+              <a:latin typeface="Arial" panose="020B0604020202020204" pitchFamily="34" charset="0"/>
+              <a:cs typeface="Arial" panose="020B0604020202020204" pitchFamily="34" charset="0"/>
+            </a:endParaRPr>
+          </a:p>
+        </p:txBody>
+      </p:sp>
+      <p:cxnSp>
+        <p:nvCxnSpPr>
+          <p:cNvPr id="245" name="Straight Connector 244"/>
+          <p:cNvCxnSpPr>
+            <a:stCxn id="228" idx="3"/>
+            <a:endCxn id="229" idx="1"/>
+          </p:cNvCxnSpPr>
+          <p:nvPr/>
+        </p:nvCxnSpPr>
+        <p:spPr>
+          <a:xfrm flipV="1">
+            <a:off x="18426862" y="3852866"/>
+            <a:ext cx="113656" cy="2"/>
+          </a:xfrm>
+          <a:prstGeom prst="line">
+            <a:avLst/>
+          </a:prstGeom>
+          <a:ln>
+            <a:solidFill>
+              <a:schemeClr val="bg1">
+                <a:lumMod val="50000"/>
+              </a:schemeClr>
+            </a:solidFill>
+          </a:ln>
+        </p:spPr>
+        <p:style>
+          <a:lnRef idx="1">
+            <a:schemeClr val="accent1"/>
+          </a:lnRef>
+          <a:fillRef idx="0">
+            <a:schemeClr val="accent1"/>
+          </a:fillRef>
+          <a:effectRef idx="0">
+            <a:schemeClr val="accent1"/>
+          </a:effectRef>
+          <a:fontRef idx="minor">
+            <a:schemeClr val="tx1"/>
+          </a:fontRef>
+        </p:style>
+      </p:cxnSp>
+      <p:cxnSp>
+        <p:nvCxnSpPr>
+          <p:cNvPr id="246" name="Straight Connector 245"/>
+          <p:cNvCxnSpPr>
+            <a:stCxn id="230" idx="3"/>
+            <a:endCxn id="232" idx="1"/>
+          </p:cNvCxnSpPr>
+          <p:nvPr/>
+        </p:nvCxnSpPr>
+        <p:spPr>
+          <a:xfrm>
+            <a:off x="20358906" y="3852865"/>
+            <a:ext cx="410688" cy="0"/>
+          </a:xfrm>
+          <a:prstGeom prst="line">
+            <a:avLst/>
+          </a:prstGeom>
+          <a:ln>
+            <a:solidFill>
+              <a:schemeClr val="bg1">
+                <a:lumMod val="50000"/>
+              </a:schemeClr>
+            </a:solidFill>
+          </a:ln>
+        </p:spPr>
+        <p:style>
+          <a:lnRef idx="1">
+            <a:schemeClr val="accent1"/>
+          </a:lnRef>
+          <a:fillRef idx="0">
+            <a:schemeClr val="accent1"/>
+          </a:fillRef>
+          <a:effectRef idx="0">
+            <a:schemeClr val="accent1"/>
+          </a:effectRef>
+          <a:fontRef idx="minor">
+            <a:schemeClr val="tx1"/>
+          </a:fontRef>
+        </p:style>
+      </p:cxnSp>
+      <p:cxnSp>
+        <p:nvCxnSpPr>
+          <p:cNvPr id="247" name="Straight Connector 246"/>
+          <p:cNvCxnSpPr>
+            <a:stCxn id="232" idx="3"/>
+            <a:endCxn id="231" idx="1"/>
+          </p:cNvCxnSpPr>
+          <p:nvPr/>
+        </p:nvCxnSpPr>
+        <p:spPr>
+          <a:xfrm>
+            <a:off x="21139411" y="3852865"/>
+            <a:ext cx="350622" cy="0"/>
+          </a:xfrm>
+          <a:prstGeom prst="line">
+            <a:avLst/>
+          </a:prstGeom>
+          <a:ln>
+            <a:solidFill>
+              <a:schemeClr val="bg1">
+                <a:lumMod val="50000"/>
+              </a:schemeClr>
+            </a:solidFill>
+          </a:ln>
+        </p:spPr>
+        <p:style>
+          <a:lnRef idx="1">
+            <a:schemeClr val="accent1"/>
+          </a:lnRef>
+          <a:fillRef idx="0">
+            <a:schemeClr val="accent1"/>
+          </a:fillRef>
+          <a:effectRef idx="0">
+            <a:schemeClr val="accent1"/>
+          </a:effectRef>
+          <a:fontRef idx="minor">
+            <a:schemeClr val="tx1"/>
+          </a:fontRef>
+        </p:style>
+      </p:cxnSp>
+      <p:cxnSp>
+        <p:nvCxnSpPr>
+          <p:cNvPr id="248" name="Straight Connector 247"/>
+          <p:cNvCxnSpPr>
+            <a:stCxn id="231" idx="3"/>
+            <a:endCxn id="237" idx="1"/>
+          </p:cNvCxnSpPr>
+          <p:nvPr/>
+        </p:nvCxnSpPr>
+        <p:spPr>
+          <a:xfrm>
+            <a:off x="22337189" y="3852865"/>
+            <a:ext cx="88918" cy="0"/>
+          </a:xfrm>
+          <a:prstGeom prst="line">
+            <a:avLst/>
+          </a:prstGeom>
+          <a:ln>
+            <a:solidFill>
+              <a:schemeClr val="bg1">
+                <a:lumMod val="50000"/>
+              </a:schemeClr>
+            </a:solidFill>
+          </a:ln>
+        </p:spPr>
+        <p:style>
+          <a:lnRef idx="1">
+            <a:schemeClr val="accent1"/>
+          </a:lnRef>
+          <a:fillRef idx="0">
+            <a:schemeClr val="accent1"/>
+          </a:fillRef>
+          <a:effectRef idx="0">
+            <a:schemeClr val="accent1"/>
+          </a:effectRef>
+          <a:fontRef idx="minor">
+            <a:schemeClr val="tx1"/>
+          </a:fontRef>
+        </p:style>
+      </p:cxnSp>
+      <p:cxnSp>
+        <p:nvCxnSpPr>
+          <p:cNvPr id="249" name="Straight Connector 248"/>
+          <p:cNvCxnSpPr>
+            <a:stCxn id="237" idx="3"/>
+            <a:endCxn id="243" idx="1"/>
+          </p:cNvCxnSpPr>
+          <p:nvPr/>
+        </p:nvCxnSpPr>
+        <p:spPr>
+          <a:xfrm>
+            <a:off x="23273262" y="3852865"/>
+            <a:ext cx="87892" cy="0"/>
+          </a:xfrm>
+          <a:prstGeom prst="line">
+            <a:avLst/>
+          </a:prstGeom>
+          <a:ln>
+            <a:solidFill>
+              <a:schemeClr val="bg1">
+                <a:lumMod val="50000"/>
+              </a:schemeClr>
+            </a:solidFill>
+          </a:ln>
+        </p:spPr>
+        <p:style>
+          <a:lnRef idx="1">
+            <a:schemeClr val="accent1"/>
+          </a:lnRef>
+          <a:fillRef idx="0">
+            <a:schemeClr val="accent1"/>
+          </a:fillRef>
+          <a:effectRef idx="0">
+            <a:schemeClr val="accent1"/>
+          </a:effectRef>
+          <a:fontRef idx="minor">
+            <a:schemeClr val="tx1"/>
+          </a:fontRef>
+        </p:style>
+      </p:cxnSp>
+      <p:cxnSp>
+        <p:nvCxnSpPr>
+          <p:cNvPr id="250" name="Straight Connector 249"/>
+          <p:cNvCxnSpPr>
+            <a:stCxn id="243" idx="3"/>
+            <a:endCxn id="239" idx="1"/>
+          </p:cNvCxnSpPr>
+          <p:nvPr/>
+        </p:nvCxnSpPr>
+        <p:spPr>
+          <a:xfrm>
+            <a:off x="24208310" y="3852865"/>
+            <a:ext cx="96884" cy="0"/>
+          </a:xfrm>
+          <a:prstGeom prst="line">
+            <a:avLst/>
+          </a:prstGeom>
+          <a:ln>
+            <a:solidFill>
+              <a:schemeClr val="bg1">
+                <a:lumMod val="50000"/>
+              </a:schemeClr>
+            </a:solidFill>
+          </a:ln>
+        </p:spPr>
+        <p:style>
+          <a:lnRef idx="1">
+            <a:schemeClr val="accent1"/>
+          </a:lnRef>
+          <a:fillRef idx="0">
+            <a:schemeClr val="accent1"/>
+          </a:fillRef>
+          <a:effectRef idx="0">
+            <a:schemeClr val="accent1"/>
+          </a:effectRef>
+          <a:fontRef idx="minor">
+            <a:schemeClr val="tx1"/>
+          </a:fontRef>
+        </p:style>
+      </p:cxnSp>
+      <p:cxnSp>
+        <p:nvCxnSpPr>
+          <p:cNvPr id="251" name="Straight Connector 250"/>
+          <p:cNvCxnSpPr>
+            <a:stCxn id="239" idx="3"/>
+            <a:endCxn id="244" idx="1"/>
+          </p:cNvCxnSpPr>
+          <p:nvPr/>
+        </p:nvCxnSpPr>
+        <p:spPr>
+          <a:xfrm>
+            <a:off x="25152350" y="3852865"/>
+            <a:ext cx="74356" cy="0"/>
+          </a:xfrm>
+          <a:prstGeom prst="line">
+            <a:avLst/>
+          </a:prstGeom>
+          <a:ln>
+            <a:solidFill>
+              <a:schemeClr val="bg1">
+                <a:lumMod val="50000"/>
+              </a:schemeClr>
+            </a:solidFill>
+          </a:ln>
+        </p:spPr>
+        <p:style>
+          <a:lnRef idx="1">
+            <a:schemeClr val="accent1"/>
+          </a:lnRef>
+          <a:fillRef idx="0">
+            <a:schemeClr val="accent1"/>
+          </a:fillRef>
+          <a:effectRef idx="0">
+            <a:schemeClr val="accent1"/>
+          </a:effectRef>
+          <a:fontRef idx="minor">
+            <a:schemeClr val="tx1"/>
+          </a:fontRef>
+        </p:style>
+      </p:cxnSp>
+      <p:cxnSp>
+        <p:nvCxnSpPr>
+          <p:cNvPr id="252" name="Straight Connector 251"/>
+          <p:cNvCxnSpPr>
+            <a:stCxn id="244" idx="3"/>
+            <a:endCxn id="236" idx="1"/>
+          </p:cNvCxnSpPr>
+          <p:nvPr/>
+        </p:nvCxnSpPr>
+        <p:spPr>
+          <a:xfrm>
+            <a:off x="26136051" y="3852865"/>
+            <a:ext cx="103610" cy="0"/>
+          </a:xfrm>
+          <a:prstGeom prst="line">
+            <a:avLst/>
+          </a:prstGeom>
+          <a:ln>
+            <a:solidFill>
+              <a:schemeClr val="bg1">
+                <a:lumMod val="50000"/>
+              </a:schemeClr>
+            </a:solidFill>
+          </a:ln>
+        </p:spPr>
+        <p:style>
+          <a:lnRef idx="1">
+            <a:schemeClr val="accent1"/>
+          </a:lnRef>
+          <a:fillRef idx="0">
+            <a:schemeClr val="accent1"/>
+          </a:fillRef>
+          <a:effectRef idx="0">
+            <a:schemeClr val="accent1"/>
+          </a:effectRef>
+          <a:fontRef idx="minor">
+            <a:schemeClr val="tx1"/>
+          </a:fontRef>
+        </p:style>
+      </p:cxnSp>
+      <p:cxnSp>
+        <p:nvCxnSpPr>
+          <p:cNvPr id="253" name="Straight Connector 252"/>
+          <p:cNvCxnSpPr>
+            <a:stCxn id="236" idx="3"/>
+            <a:endCxn id="238" idx="1"/>
+          </p:cNvCxnSpPr>
+          <p:nvPr/>
+        </p:nvCxnSpPr>
+        <p:spPr>
+          <a:xfrm>
+            <a:off x="27086817" y="3852865"/>
+            <a:ext cx="82778" cy="0"/>
+          </a:xfrm>
+          <a:prstGeom prst="line">
+            <a:avLst/>
+          </a:prstGeom>
+          <a:ln>
+            <a:solidFill>
+              <a:schemeClr val="bg1">
+                <a:lumMod val="50000"/>
+              </a:schemeClr>
+            </a:solidFill>
+          </a:ln>
+        </p:spPr>
+        <p:style>
+          <a:lnRef idx="1">
+            <a:schemeClr val="accent1"/>
+          </a:lnRef>
+          <a:fillRef idx="0">
+            <a:schemeClr val="accent1"/>
+          </a:fillRef>
+          <a:effectRef idx="0">
+            <a:schemeClr val="accent1"/>
+          </a:effectRef>
+          <a:fontRef idx="minor">
+            <a:schemeClr val="tx1"/>
+          </a:fontRef>
+        </p:style>
+      </p:cxnSp>
+      <p:cxnSp>
+        <p:nvCxnSpPr>
+          <p:cNvPr id="254" name="Straight Connector 253"/>
+          <p:cNvCxnSpPr>
+            <a:stCxn id="238" idx="3"/>
+            <a:endCxn id="240" idx="1"/>
+          </p:cNvCxnSpPr>
+          <p:nvPr/>
+        </p:nvCxnSpPr>
+        <p:spPr>
+          <a:xfrm>
+            <a:off x="28016750" y="3852865"/>
+            <a:ext cx="105172" cy="0"/>
+          </a:xfrm>
+          <a:prstGeom prst="line">
+            <a:avLst/>
+          </a:prstGeom>
+          <a:ln>
+            <a:solidFill>
+              <a:schemeClr val="bg1">
+                <a:lumMod val="50000"/>
+              </a:schemeClr>
+            </a:solidFill>
+          </a:ln>
+        </p:spPr>
+        <p:style>
+          <a:lnRef idx="1">
+            <a:schemeClr val="accent1"/>
+          </a:lnRef>
+          <a:fillRef idx="0">
+            <a:schemeClr val="accent1"/>
+          </a:fillRef>
+          <a:effectRef idx="0">
+            <a:schemeClr val="accent1"/>
+          </a:effectRef>
+          <a:fontRef idx="minor">
+            <a:schemeClr val="tx1"/>
+          </a:fontRef>
+        </p:style>
+      </p:cxnSp>
+      <p:cxnSp>
+        <p:nvCxnSpPr>
+          <p:cNvPr id="255" name="Straight Connector 254"/>
+          <p:cNvCxnSpPr>
+            <a:stCxn id="240" idx="3"/>
+            <a:endCxn id="242" idx="1"/>
+          </p:cNvCxnSpPr>
+          <p:nvPr/>
+        </p:nvCxnSpPr>
+        <p:spPr>
+          <a:xfrm>
+            <a:off x="28969079" y="3852865"/>
+            <a:ext cx="105978" cy="0"/>
+          </a:xfrm>
+          <a:prstGeom prst="line">
+            <a:avLst/>
+          </a:prstGeom>
+          <a:ln>
+            <a:solidFill>
+              <a:schemeClr val="bg1">
+                <a:lumMod val="50000"/>
+              </a:schemeClr>
+            </a:solidFill>
+          </a:ln>
+        </p:spPr>
+        <p:style>
+          <a:lnRef idx="1">
+            <a:schemeClr val="accent1"/>
+          </a:lnRef>
+          <a:fillRef idx="0">
+            <a:schemeClr val="accent1"/>
+          </a:fillRef>
+          <a:effectRef idx="0">
+            <a:schemeClr val="accent1"/>
+          </a:effectRef>
+          <a:fontRef idx="minor">
+            <a:schemeClr val="tx1"/>
+          </a:fontRef>
+        </p:style>
+      </p:cxnSp>
+      <p:cxnSp>
+        <p:nvCxnSpPr>
+          <p:cNvPr id="256" name="Straight Connector 255"/>
+          <p:cNvCxnSpPr>
+            <a:stCxn id="242" idx="3"/>
+            <a:endCxn id="235" idx="1"/>
+          </p:cNvCxnSpPr>
+          <p:nvPr/>
+        </p:nvCxnSpPr>
+        <p:spPr>
+          <a:xfrm>
+            <a:off x="29922213" y="3852865"/>
+            <a:ext cx="71206" cy="0"/>
+          </a:xfrm>
+          <a:prstGeom prst="line">
+            <a:avLst/>
+          </a:prstGeom>
+          <a:ln>
+            <a:solidFill>
+              <a:schemeClr val="bg1">
+                <a:lumMod val="50000"/>
+              </a:schemeClr>
+            </a:solidFill>
+          </a:ln>
+        </p:spPr>
+        <p:style>
+          <a:lnRef idx="1">
+            <a:schemeClr val="accent1"/>
+          </a:lnRef>
+          <a:fillRef idx="0">
+            <a:schemeClr val="accent1"/>
+          </a:fillRef>
+          <a:effectRef idx="0">
+            <a:schemeClr val="accent1"/>
+          </a:effectRef>
+          <a:fontRef idx="minor">
+            <a:schemeClr val="tx1"/>
+          </a:fontRef>
+        </p:style>
+      </p:cxnSp>
+      <p:cxnSp>
+        <p:nvCxnSpPr>
+          <p:cNvPr id="260" name="Straight Connector 259"/>
+          <p:cNvCxnSpPr>
+            <a:stCxn id="229" idx="3"/>
+            <a:endCxn id="230" idx="1"/>
+          </p:cNvCxnSpPr>
+          <p:nvPr/>
+        </p:nvCxnSpPr>
+        <p:spPr>
+          <a:xfrm>
+            <a:off x="19601310" y="3852865"/>
+            <a:ext cx="60140" cy="0"/>
+          </a:xfrm>
+          <a:prstGeom prst="line">
+            <a:avLst/>
+          </a:prstGeom>
+          <a:ln w="76200">
+            <a:solidFill>
+              <a:srgbClr val="B871FF"/>
+            </a:solidFill>
+          </a:ln>
+        </p:spPr>
+        <p:style>
+          <a:lnRef idx="1">
+            <a:schemeClr val="accent1"/>
+          </a:lnRef>
+          <a:fillRef idx="0">
+            <a:schemeClr val="accent1"/>
+          </a:fillRef>
+          <a:effectRef idx="0">
+            <a:schemeClr val="accent1"/>
+          </a:effectRef>
+          <a:fontRef idx="minor">
+            <a:schemeClr val="tx1"/>
+          </a:fontRef>
+        </p:style>
+      </p:cxnSp>
+      <p:cxnSp>
+        <p:nvCxnSpPr>
+          <p:cNvPr id="261" name="Straight Connector 260"/>
+          <p:cNvCxnSpPr>
+            <a:endCxn id="181" idx="1"/>
+          </p:cNvCxnSpPr>
+          <p:nvPr/>
+        </p:nvCxnSpPr>
+        <p:spPr>
+          <a:xfrm flipV="1">
+            <a:off x="16789027" y="3141613"/>
+            <a:ext cx="342947" cy="1003084"/>
+          </a:xfrm>
+          <a:prstGeom prst="line">
+            <a:avLst/>
+          </a:prstGeom>
+          <a:ln w="76200">
+            <a:solidFill>
+              <a:srgbClr val="B871FF"/>
+            </a:solidFill>
+          </a:ln>
+        </p:spPr>
+        <p:style>
+          <a:lnRef idx="1">
+            <a:schemeClr val="accent1"/>
+          </a:lnRef>
+          <a:fillRef idx="0">
+            <a:schemeClr val="accent1"/>
+          </a:fillRef>
+          <a:effectRef idx="0">
+            <a:schemeClr val="accent1"/>
+          </a:effectRef>
+          <a:fontRef idx="minor">
+            <a:schemeClr val="tx1"/>
+          </a:fontRef>
+        </p:style>
+      </p:cxnSp>
+      <p:sp>
+        <p:nvSpPr>
+          <p:cNvPr id="262" name="Rectangle 261"/>
+          <p:cNvSpPr/>
+          <p:nvPr/>
+        </p:nvSpPr>
+        <p:spPr>
+          <a:xfrm>
+            <a:off x="34842318" y="2972677"/>
+            <a:ext cx="369816" cy="337868"/>
+          </a:xfrm>
+          <a:prstGeom prst="rect">
+            <a:avLst/>
+          </a:prstGeom>
+          <a:solidFill>
+            <a:schemeClr val="bg1"/>
+          </a:solidFill>
+          <a:ln w="12700">
+            <a:solidFill>
+              <a:srgbClr val="B871FF"/>
+            </a:solidFill>
+          </a:ln>
+        </p:spPr>
+        <p:style>
+          <a:lnRef idx="2">
+            <a:schemeClr val="accent1">
+              <a:shade val="50000"/>
+            </a:schemeClr>
+          </a:lnRef>
+          <a:fillRef idx="1">
+            <a:schemeClr val="accent1"/>
+          </a:fillRef>
+          <a:effectRef idx="0">
+            <a:schemeClr val="accent1"/>
+          </a:effectRef>
+          <a:fontRef idx="minor">
+            <a:schemeClr val="lt1"/>
+          </a:fontRef>
+        </p:style>
+        <p:txBody>
+          <a:bodyPr rot="0" spcFirstLastPara="0" vertOverflow="overflow" horzOverflow="overflow" vert="horz" wrap="square" lIns="182880" tIns="91440" rIns="182880" bIns="91440" numCol="1" spcCol="0" rtlCol="0" fromWordArt="0" anchor="ctr" anchorCtr="0" forceAA="0" compatLnSpc="1">
+            <a:prstTxWarp prst="textNoShape">
+              <a:avLst/>
+            </a:prstTxWarp>
+            <a:noAutofit/>
+          </a:bodyPr>
+          <a:lstStyle/>
+          <a:p>
+            <a:pPr marL="342900" indent="-342900" algn="ctr">
+              <a:buFont typeface="Wingdings" panose="05000000000000000000" pitchFamily="2" charset="2"/>
+              <a:buChar char="ü"/>
+            </a:pPr>
+            <a:r>
+              <a:rPr lang="nl-NL" sz="4800" b="1" dirty="0">
+                <a:solidFill>
+                  <a:srgbClr val="7030A0"/>
+                </a:solidFill>
+                <a:latin typeface="Arial" panose="020B0604020202020204" pitchFamily="34" charset="0"/>
+                <a:cs typeface="Arial" panose="020B0604020202020204" pitchFamily="34" charset="0"/>
+              </a:rPr>
+              <a:t> </a:t>
+            </a:r>
+          </a:p>
+        </p:txBody>
+      </p:sp>
+      <p:sp>
+        <p:nvSpPr>
+          <p:cNvPr id="263" name="Rectangle 262"/>
+          <p:cNvSpPr/>
+          <p:nvPr/>
+        </p:nvSpPr>
+        <p:spPr>
+          <a:xfrm>
+            <a:off x="33980070" y="2972677"/>
+            <a:ext cx="369816" cy="337868"/>
+          </a:xfrm>
+          <a:prstGeom prst="rect">
+            <a:avLst/>
+          </a:prstGeom>
+          <a:solidFill>
+            <a:schemeClr val="bg1"/>
+          </a:solidFill>
+          <a:ln w="12700">
+            <a:solidFill>
+              <a:srgbClr val="B871FF"/>
+            </a:solidFill>
+          </a:ln>
+        </p:spPr>
+        <p:style>
+          <a:lnRef idx="2">
+            <a:schemeClr val="accent1">
+              <a:shade val="50000"/>
+            </a:schemeClr>
+          </a:lnRef>
+          <a:fillRef idx="1">
+            <a:schemeClr val="accent1"/>
+          </a:fillRef>
+          <a:effectRef idx="0">
+            <a:schemeClr val="accent1"/>
+          </a:effectRef>
+          <a:fontRef idx="minor">
+            <a:schemeClr val="lt1"/>
+          </a:fontRef>
+        </p:style>
+        <p:txBody>
+          <a:bodyPr rot="0" spcFirstLastPara="0" vertOverflow="overflow" horzOverflow="overflow" vert="horz" wrap="square" lIns="182880" tIns="91440" rIns="182880" bIns="91440" numCol="1" spcCol="0" rtlCol="0" fromWordArt="0" anchor="ctr" anchorCtr="0" forceAA="0" compatLnSpc="1">
+            <a:prstTxWarp prst="textNoShape">
+              <a:avLst/>
+            </a:prstTxWarp>
+            <a:noAutofit/>
+          </a:bodyPr>
+          <a:lstStyle/>
+          <a:p>
+            <a:pPr marL="342900" indent="-342900" algn="ctr">
+              <a:buFont typeface="Wingdings" panose="05000000000000000000" pitchFamily="2" charset="2"/>
+              <a:buChar char="ü"/>
+            </a:pPr>
+            <a:r>
+              <a:rPr lang="nl-NL" sz="4800" b="1" dirty="0">
+                <a:solidFill>
+                  <a:srgbClr val="7030A0"/>
+                </a:solidFill>
+                <a:latin typeface="Arial" panose="020B0604020202020204" pitchFamily="34" charset="0"/>
+                <a:cs typeface="Arial" panose="020B0604020202020204" pitchFamily="34" charset="0"/>
+              </a:rPr>
+              <a:t> </a:t>
+            </a:r>
+          </a:p>
+        </p:txBody>
+      </p:sp>
+      <p:cxnSp>
+        <p:nvCxnSpPr>
+          <p:cNvPr id="264" name="Straight Connector 263"/>
+          <p:cNvCxnSpPr>
+            <a:stCxn id="186" idx="3"/>
+            <a:endCxn id="263" idx="1"/>
+          </p:cNvCxnSpPr>
+          <p:nvPr/>
+        </p:nvCxnSpPr>
+        <p:spPr>
+          <a:xfrm>
+            <a:off x="33449334" y="3141611"/>
+            <a:ext cx="530736" cy="0"/>
+          </a:xfrm>
+          <a:prstGeom prst="line">
+            <a:avLst/>
+          </a:prstGeom>
+          <a:ln w="76200">
+            <a:solidFill>
+              <a:srgbClr val="B871FF"/>
+            </a:solidFill>
+          </a:ln>
+        </p:spPr>
+        <p:style>
+          <a:lnRef idx="1">
+            <a:schemeClr val="accent1"/>
+          </a:lnRef>
+          <a:fillRef idx="0">
+            <a:schemeClr val="accent1"/>
+          </a:fillRef>
+          <a:effectRef idx="0">
+            <a:schemeClr val="accent1"/>
+          </a:effectRef>
+          <a:fontRef idx="minor">
+            <a:schemeClr val="tx1"/>
+          </a:fontRef>
+        </p:style>
+      </p:cxnSp>
+      <p:cxnSp>
+        <p:nvCxnSpPr>
+          <p:cNvPr id="265" name="Straight Connector 264"/>
+          <p:cNvCxnSpPr>
+            <a:stCxn id="263" idx="3"/>
+            <a:endCxn id="262" idx="1"/>
+          </p:cNvCxnSpPr>
+          <p:nvPr/>
+        </p:nvCxnSpPr>
+        <p:spPr>
+          <a:xfrm>
+            <a:off x="34349886" y="3141611"/>
+            <a:ext cx="492432" cy="0"/>
+          </a:xfrm>
+          <a:prstGeom prst="line">
+            <a:avLst/>
+          </a:prstGeom>
+          <a:ln w="76200">
+            <a:solidFill>
+              <a:srgbClr val="B871FF"/>
+            </a:solidFill>
+          </a:ln>
+        </p:spPr>
+        <p:style>
+          <a:lnRef idx="1">
+            <a:schemeClr val="accent1"/>
+          </a:lnRef>
+          <a:fillRef idx="0">
+            <a:schemeClr val="accent1"/>
+          </a:fillRef>
+          <a:effectRef idx="0">
+            <a:schemeClr val="accent1"/>
+          </a:effectRef>
+          <a:fontRef idx="minor">
+            <a:schemeClr val="tx1"/>
+          </a:fontRef>
+        </p:style>
+      </p:cxnSp>
+      <p:sp>
+        <p:nvSpPr>
+          <p:cNvPr id="266" name="Rectangle 265"/>
+          <p:cNvSpPr/>
+          <p:nvPr/>
+        </p:nvSpPr>
+        <p:spPr>
+          <a:xfrm>
+            <a:off x="33075683" y="3685009"/>
+            <a:ext cx="369816" cy="337868"/>
+          </a:xfrm>
+          <a:prstGeom prst="rect">
+            <a:avLst/>
+          </a:prstGeom>
+          <a:solidFill>
+            <a:schemeClr val="bg1"/>
+          </a:solidFill>
+          <a:ln w="12700">
+            <a:solidFill>
+              <a:schemeClr val="bg1">
+                <a:lumMod val="50000"/>
+              </a:schemeClr>
+            </a:solidFill>
+          </a:ln>
+        </p:spPr>
+        <p:style>
+          <a:lnRef idx="2">
+            <a:schemeClr val="accent1">
+              <a:shade val="50000"/>
+            </a:schemeClr>
+          </a:lnRef>
+          <a:fillRef idx="1">
+            <a:schemeClr val="accent1"/>
+          </a:fillRef>
+          <a:effectRef idx="0">
+            <a:schemeClr val="accent1"/>
+          </a:effectRef>
+          <a:fontRef idx="minor">
+            <a:schemeClr val="lt1"/>
+          </a:fontRef>
+        </p:style>
+        <p:txBody>
+          <a:bodyPr rot="0" spcFirstLastPara="0" vertOverflow="overflow" horzOverflow="overflow" vert="horz" wrap="square" lIns="182880" tIns="91440" rIns="182880" bIns="91440" numCol="1" spcCol="0" rtlCol="0" fromWordArt="0" anchor="ctr" anchorCtr="0" forceAA="0" compatLnSpc="1">
+            <a:prstTxWarp prst="textNoShape">
+              <a:avLst/>
+            </a:prstTxWarp>
+            <a:noAutofit/>
+          </a:bodyPr>
+          <a:lstStyle/>
+          <a:p>
+            <a:pPr marL="342900" indent="-342900" algn="ctr">
+              <a:buFont typeface="Wingdings" panose="05000000000000000000" pitchFamily="2" charset="2"/>
+              <a:buChar char="ü"/>
+            </a:pPr>
+            <a:r>
+              <a:rPr lang="nl-NL" sz="4800" b="1" dirty="0">
+                <a:solidFill>
+                  <a:schemeClr val="bg1">
+                    <a:lumMod val="50000"/>
+                  </a:schemeClr>
+                </a:solidFill>
+                <a:latin typeface="Arial" panose="020B0604020202020204" pitchFamily="34" charset="0"/>
+                <a:cs typeface="Arial" panose="020B0604020202020204" pitchFamily="34" charset="0"/>
+              </a:rPr>
+              <a:t> </a:t>
+            </a:r>
+          </a:p>
+        </p:txBody>
+      </p:sp>
+      <p:sp>
+        <p:nvSpPr>
+          <p:cNvPr id="267" name="Rectangle 266"/>
+          <p:cNvSpPr/>
+          <p:nvPr/>
+        </p:nvSpPr>
+        <p:spPr>
+          <a:xfrm>
+            <a:off x="32099135" y="3685009"/>
+            <a:ext cx="369816" cy="337868"/>
+          </a:xfrm>
+          <a:prstGeom prst="rect">
+            <a:avLst/>
+          </a:prstGeom>
+          <a:solidFill>
+            <a:schemeClr val="bg1"/>
+          </a:solidFill>
+          <a:ln w="12700">
+            <a:solidFill>
+              <a:schemeClr val="bg1">
+                <a:lumMod val="50000"/>
+              </a:schemeClr>
+            </a:solidFill>
+          </a:ln>
+        </p:spPr>
+        <p:style>
+          <a:lnRef idx="2">
+            <a:schemeClr val="accent1">
+              <a:shade val="50000"/>
+            </a:schemeClr>
+          </a:lnRef>
+          <a:fillRef idx="1">
+            <a:schemeClr val="accent1"/>
+          </a:fillRef>
+          <a:effectRef idx="0">
+            <a:schemeClr val="accent1"/>
+          </a:effectRef>
+          <a:fontRef idx="minor">
+            <a:schemeClr val="lt1"/>
+          </a:fontRef>
+        </p:style>
+        <p:txBody>
+          <a:bodyPr rot="0" spcFirstLastPara="0" vertOverflow="overflow" horzOverflow="overflow" vert="horz" wrap="square" lIns="182880" tIns="91440" rIns="182880" bIns="91440" numCol="1" spcCol="0" rtlCol="0" fromWordArt="0" anchor="ctr" anchorCtr="0" forceAA="0" compatLnSpc="1">
+            <a:prstTxWarp prst="textNoShape">
+              <a:avLst/>
+            </a:prstTxWarp>
+            <a:noAutofit/>
+          </a:bodyPr>
+          <a:lstStyle/>
+          <a:p>
+            <a:pPr marL="342900" indent="-342900" algn="ctr">
+              <a:buFont typeface="Wingdings" panose="05000000000000000000" pitchFamily="2" charset="2"/>
+              <a:buChar char="ü"/>
+            </a:pPr>
+            <a:r>
+              <a:rPr lang="nl-NL" sz="4800" b="1" dirty="0">
+                <a:solidFill>
+                  <a:schemeClr val="bg1">
+                    <a:lumMod val="50000"/>
+                  </a:schemeClr>
+                </a:solidFill>
+                <a:latin typeface="Arial" panose="020B0604020202020204" pitchFamily="34" charset="0"/>
+                <a:cs typeface="Arial" panose="020B0604020202020204" pitchFamily="34" charset="0"/>
+              </a:rPr>
+              <a:t> </a:t>
+            </a:r>
+          </a:p>
+        </p:txBody>
+      </p:sp>
+      <p:sp>
+        <p:nvSpPr>
+          <p:cNvPr id="268" name="Rectangle 267"/>
+          <p:cNvSpPr/>
+          <p:nvPr/>
+        </p:nvSpPr>
+        <p:spPr>
+          <a:xfrm>
+            <a:off x="31168291" y="3685009"/>
+            <a:ext cx="369816" cy="337868"/>
+          </a:xfrm>
+          <a:prstGeom prst="rect">
+            <a:avLst/>
+          </a:prstGeom>
+          <a:solidFill>
+            <a:schemeClr val="bg1"/>
+          </a:solidFill>
+          <a:ln w="12700">
+            <a:solidFill>
+              <a:schemeClr val="bg1">
+                <a:lumMod val="50000"/>
+              </a:schemeClr>
+            </a:solidFill>
+          </a:ln>
+        </p:spPr>
+        <p:style>
+          <a:lnRef idx="2">
+            <a:schemeClr val="accent1">
+              <a:shade val="50000"/>
+            </a:schemeClr>
+          </a:lnRef>
+          <a:fillRef idx="1">
+            <a:schemeClr val="accent1"/>
+          </a:fillRef>
+          <a:effectRef idx="0">
+            <a:schemeClr val="accent1"/>
+          </a:effectRef>
+          <a:fontRef idx="minor">
+            <a:schemeClr val="lt1"/>
+          </a:fontRef>
+        </p:style>
+        <p:txBody>
+          <a:bodyPr rot="0" spcFirstLastPara="0" vertOverflow="overflow" horzOverflow="overflow" vert="horz" wrap="square" lIns="182880" tIns="91440" rIns="182880" bIns="91440" numCol="1" spcCol="0" rtlCol="0" fromWordArt="0" anchor="ctr" anchorCtr="0" forceAA="0" compatLnSpc="1">
+            <a:prstTxWarp prst="textNoShape">
+              <a:avLst/>
+            </a:prstTxWarp>
+            <a:noAutofit/>
+          </a:bodyPr>
+          <a:lstStyle/>
+          <a:p>
+            <a:pPr marL="342900" indent="-342900" algn="ctr">
+              <a:buFont typeface="Wingdings" panose="05000000000000000000" pitchFamily="2" charset="2"/>
+              <a:buChar char="ü"/>
+            </a:pPr>
+            <a:r>
+              <a:rPr lang="nl-NL" sz="4800" b="1" dirty="0">
+                <a:solidFill>
+                  <a:schemeClr val="bg1">
+                    <a:lumMod val="50000"/>
+                  </a:schemeClr>
+                </a:solidFill>
+                <a:latin typeface="Arial" panose="020B0604020202020204" pitchFamily="34" charset="0"/>
+                <a:cs typeface="Arial" panose="020B0604020202020204" pitchFamily="34" charset="0"/>
+              </a:rPr>
+              <a:t> </a:t>
+            </a:r>
+          </a:p>
+        </p:txBody>
+      </p:sp>
+      <p:cxnSp>
+        <p:nvCxnSpPr>
+          <p:cNvPr id="269" name="Straight Connector 268"/>
+          <p:cNvCxnSpPr>
+            <a:stCxn id="235" idx="3"/>
+            <a:endCxn id="268" idx="1"/>
+          </p:cNvCxnSpPr>
+          <p:nvPr/>
+        </p:nvCxnSpPr>
+        <p:spPr>
+          <a:xfrm>
+            <a:off x="30840574" y="3852865"/>
+            <a:ext cx="327717" cy="1078"/>
+          </a:xfrm>
+          <a:prstGeom prst="line">
+            <a:avLst/>
+          </a:prstGeom>
+          <a:ln>
+            <a:solidFill>
+              <a:schemeClr val="bg1">
+                <a:lumMod val="50000"/>
+              </a:schemeClr>
+            </a:solidFill>
+          </a:ln>
+        </p:spPr>
+        <p:style>
+          <a:lnRef idx="1">
+            <a:schemeClr val="accent1"/>
+          </a:lnRef>
+          <a:fillRef idx="0">
+            <a:schemeClr val="accent1"/>
+          </a:fillRef>
+          <a:effectRef idx="0">
+            <a:schemeClr val="accent1"/>
+          </a:effectRef>
+          <a:fontRef idx="minor">
+            <a:schemeClr val="tx1"/>
+          </a:fontRef>
+        </p:style>
+      </p:cxnSp>
+      <p:cxnSp>
+        <p:nvCxnSpPr>
+          <p:cNvPr id="270" name="Straight Connector 269"/>
+          <p:cNvCxnSpPr>
+            <a:stCxn id="268" idx="3"/>
+            <a:endCxn id="267" idx="1"/>
+          </p:cNvCxnSpPr>
+          <p:nvPr/>
+        </p:nvCxnSpPr>
+        <p:spPr>
+          <a:xfrm>
+            <a:off x="31538107" y="3853943"/>
+            <a:ext cx="561028" cy="0"/>
+          </a:xfrm>
+          <a:prstGeom prst="line">
+            <a:avLst/>
+          </a:prstGeom>
+          <a:ln>
+            <a:solidFill>
+              <a:schemeClr val="bg1">
+                <a:lumMod val="50000"/>
+              </a:schemeClr>
+            </a:solidFill>
+          </a:ln>
+        </p:spPr>
+        <p:style>
+          <a:lnRef idx="1">
+            <a:schemeClr val="accent1"/>
+          </a:lnRef>
+          <a:fillRef idx="0">
+            <a:schemeClr val="accent1"/>
+          </a:fillRef>
+          <a:effectRef idx="0">
+            <a:schemeClr val="accent1"/>
+          </a:effectRef>
+          <a:fontRef idx="minor">
+            <a:schemeClr val="tx1"/>
+          </a:fontRef>
+        </p:style>
+      </p:cxnSp>
+      <p:cxnSp>
+        <p:nvCxnSpPr>
+          <p:cNvPr id="271" name="Straight Connector 270"/>
+          <p:cNvCxnSpPr>
+            <a:stCxn id="267" idx="3"/>
+            <a:endCxn id="266" idx="1"/>
+          </p:cNvCxnSpPr>
+          <p:nvPr/>
+        </p:nvCxnSpPr>
+        <p:spPr>
+          <a:xfrm>
+            <a:off x="32468951" y="3853943"/>
+            <a:ext cx="606732" cy="0"/>
+          </a:xfrm>
+          <a:prstGeom prst="line">
+            <a:avLst/>
+          </a:prstGeom>
+          <a:ln>
+            <a:solidFill>
+              <a:schemeClr val="bg1">
+                <a:lumMod val="50000"/>
+              </a:schemeClr>
             </a:solidFill>
           </a:ln>
         </p:spPr>
